--- a/2.项目PPT/第十三周进度.pptx
+++ b/2.项目PPT/第十三周进度.pptx
@@ -10,9 +10,11 @@
     <p:sldId id="257" r:id="rId4"/>
     <p:sldId id="258" r:id="rId5"/>
     <p:sldId id="259" r:id="rId6"/>
-    <p:sldId id="260" r:id="rId7"/>
-    <p:sldId id="261" r:id="rId8"/>
-    <p:sldId id="262" r:id="rId9"/>
+    <p:sldId id="263" r:id="rId7"/>
+    <p:sldId id="264" r:id="rId8"/>
+    <p:sldId id="265" r:id="rId9"/>
+    <p:sldId id="261" r:id="rId10"/>
+    <p:sldId id="262" r:id="rId11"/>
   </p:sldIdLst>
   <p:sldSz cx="9144000" cy="6858000" type="screen4x3"/>
   <p:notesSz cx="6858000" cy="9144000"/>
@@ -245,7 +247,7 @@
           <a:p>
             <a:fld id="{28428746-E1BB-BE45-ABA8-858F6D9BFAFB}" type="datetimeFigureOut">
               <a:rPr kumimoji="1" lang="zh-CN" altLang="en-US" smtClean="0"/>
-              <a:t>16/5/27</a:t>
+              <a:t>2016/5/27</a:t>
             </a:fld>
             <a:endParaRPr kumimoji="1" lang="zh-CN" altLang="en-US"/>
           </a:p>
@@ -415,7 +417,7 @@
           <a:p>
             <a:fld id="{28428746-E1BB-BE45-ABA8-858F6D9BFAFB}" type="datetimeFigureOut">
               <a:rPr kumimoji="1" lang="zh-CN" altLang="en-US" smtClean="0"/>
-              <a:t>16/5/27</a:t>
+              <a:t>2016/5/27</a:t>
             </a:fld>
             <a:endParaRPr kumimoji="1" lang="zh-CN" altLang="en-US"/>
           </a:p>
@@ -595,7 +597,7 @@
           <a:p>
             <a:fld id="{28428746-E1BB-BE45-ABA8-858F6D9BFAFB}" type="datetimeFigureOut">
               <a:rPr kumimoji="1" lang="zh-CN" altLang="en-US" smtClean="0"/>
-              <a:t>16/5/27</a:t>
+              <a:t>2016/5/27</a:t>
             </a:fld>
             <a:endParaRPr kumimoji="1" lang="zh-CN" altLang="en-US"/>
           </a:p>
@@ -844,7 +846,7 @@
                 </a:solidFill>
               </a:rPr>
               <a:pPr/>
-              <a:t>16/5/27</a:t>
+              <a:t>2016/5/27</a:t>
             </a:fld>
             <a:endParaRPr lang="zh-CN" altLang="en-US">
               <a:solidFill>
@@ -1049,7 +1051,7 @@
                 </a:solidFill>
               </a:rPr>
               <a:pPr/>
-              <a:t>16/5/27</a:t>
+              <a:t>2016/5/27</a:t>
             </a:fld>
             <a:endParaRPr lang="zh-CN" altLang="en-US">
               <a:solidFill>
@@ -1330,7 +1332,7 @@
                 </a:solidFill>
               </a:rPr>
               <a:pPr/>
-              <a:t>16/5/27</a:t>
+              <a:t>2016/5/27</a:t>
             </a:fld>
             <a:endParaRPr lang="zh-CN" altLang="en-US">
               <a:solidFill>
@@ -1653,7 +1655,7 @@
                 </a:solidFill>
               </a:rPr>
               <a:pPr/>
-              <a:t>16/5/27</a:t>
+              <a:t>2016/5/27</a:t>
             </a:fld>
             <a:endParaRPr lang="zh-CN" altLang="en-US">
               <a:solidFill>
@@ -2110,7 +2112,7 @@
                 </a:solidFill>
               </a:rPr>
               <a:pPr/>
-              <a:t>16/5/27</a:t>
+              <a:t>2016/5/27</a:t>
             </a:fld>
             <a:endParaRPr lang="zh-CN" altLang="en-US">
               <a:solidFill>
@@ -2263,7 +2265,7 @@
                 </a:solidFill>
               </a:rPr>
               <a:pPr/>
-              <a:t>16/5/27</a:t>
+              <a:t>2016/5/27</a:t>
             </a:fld>
             <a:endParaRPr lang="zh-CN" altLang="en-US">
               <a:solidFill>
@@ -2393,7 +2395,7 @@
                 </a:solidFill>
               </a:rPr>
               <a:pPr/>
-              <a:t>16/5/27</a:t>
+              <a:t>2016/5/27</a:t>
             </a:fld>
             <a:endParaRPr lang="zh-CN" altLang="en-US">
               <a:solidFill>
@@ -2705,7 +2707,7 @@
                 </a:solidFill>
               </a:rPr>
               <a:pPr/>
-              <a:t>16/5/27</a:t>
+              <a:t>2016/5/27</a:t>
             </a:fld>
             <a:endParaRPr lang="zh-CN" altLang="en-US">
               <a:solidFill>
@@ -2903,7 +2905,7 @@
           <a:p>
             <a:fld id="{28428746-E1BB-BE45-ABA8-858F6D9BFAFB}" type="datetimeFigureOut">
               <a:rPr kumimoji="1" lang="zh-CN" altLang="en-US" smtClean="0"/>
-              <a:t>16/5/27</a:t>
+              <a:t>2016/5/27</a:t>
             </a:fld>
             <a:endParaRPr kumimoji="1" lang="zh-CN" altLang="en-US"/>
           </a:p>
@@ -3163,7 +3165,7 @@
                 </a:solidFill>
               </a:rPr>
               <a:pPr/>
-              <a:t>16/5/27</a:t>
+              <a:t>2016/5/27</a:t>
             </a:fld>
             <a:endParaRPr lang="zh-CN" altLang="en-US">
               <a:solidFill>
@@ -3368,7 +3370,7 @@
                 </a:solidFill>
               </a:rPr>
               <a:pPr/>
-              <a:t>16/5/27</a:t>
+              <a:t>2016/5/27</a:t>
             </a:fld>
             <a:endParaRPr lang="zh-CN" altLang="en-US">
               <a:solidFill>
@@ -3583,7 +3585,7 @@
                 </a:solidFill>
               </a:rPr>
               <a:pPr/>
-              <a:t>16/5/27</a:t>
+              <a:t>2016/5/27</a:t>
             </a:fld>
             <a:endParaRPr lang="zh-CN" altLang="en-US">
               <a:solidFill>
@@ -3855,7 +3857,7 @@
           <a:p>
             <a:fld id="{28428746-E1BB-BE45-ABA8-858F6D9BFAFB}" type="datetimeFigureOut">
               <a:rPr kumimoji="1" lang="zh-CN" altLang="en-US" smtClean="0"/>
-              <a:t>16/5/27</a:t>
+              <a:t>2016/5/27</a:t>
             </a:fld>
             <a:endParaRPr kumimoji="1" lang="zh-CN" altLang="en-US"/>
           </a:p>
@@ -4087,7 +4089,7 @@
           <a:p>
             <a:fld id="{28428746-E1BB-BE45-ABA8-858F6D9BFAFB}" type="datetimeFigureOut">
               <a:rPr kumimoji="1" lang="zh-CN" altLang="en-US" smtClean="0"/>
-              <a:t>16/5/27</a:t>
+              <a:t>2016/5/27</a:t>
             </a:fld>
             <a:endParaRPr kumimoji="1" lang="zh-CN" altLang="en-US"/>
           </a:p>
@@ -4454,7 +4456,7 @@
           <a:p>
             <a:fld id="{28428746-E1BB-BE45-ABA8-858F6D9BFAFB}" type="datetimeFigureOut">
               <a:rPr kumimoji="1" lang="zh-CN" altLang="en-US" smtClean="0"/>
-              <a:t>16/5/27</a:t>
+              <a:t>2016/5/27</a:t>
             </a:fld>
             <a:endParaRPr kumimoji="1" lang="zh-CN" altLang="en-US"/>
           </a:p>
@@ -4572,7 +4574,7 @@
           <a:p>
             <a:fld id="{28428746-E1BB-BE45-ABA8-858F6D9BFAFB}" type="datetimeFigureOut">
               <a:rPr kumimoji="1" lang="zh-CN" altLang="en-US" smtClean="0"/>
-              <a:t>16/5/27</a:t>
+              <a:t>2016/5/27</a:t>
             </a:fld>
             <a:endParaRPr kumimoji="1" lang="zh-CN" altLang="en-US"/>
           </a:p>
@@ -4667,7 +4669,7 @@
           <a:p>
             <a:fld id="{28428746-E1BB-BE45-ABA8-858F6D9BFAFB}" type="datetimeFigureOut">
               <a:rPr kumimoji="1" lang="zh-CN" altLang="en-US" smtClean="0"/>
-              <a:t>16/5/27</a:t>
+              <a:t>2016/5/27</a:t>
             </a:fld>
             <a:endParaRPr kumimoji="1" lang="zh-CN" altLang="en-US"/>
           </a:p>
@@ -4944,7 +4946,7 @@
           <a:p>
             <a:fld id="{28428746-E1BB-BE45-ABA8-858F6D9BFAFB}" type="datetimeFigureOut">
               <a:rPr kumimoji="1" lang="zh-CN" altLang="en-US" smtClean="0"/>
-              <a:t>16/5/27</a:t>
+              <a:t>2016/5/27</a:t>
             </a:fld>
             <a:endParaRPr kumimoji="1" lang="zh-CN" altLang="en-US"/>
           </a:p>
@@ -5201,7 +5203,7 @@
           <a:p>
             <a:fld id="{28428746-E1BB-BE45-ABA8-858F6D9BFAFB}" type="datetimeFigureOut">
               <a:rPr kumimoji="1" lang="zh-CN" altLang="en-US" smtClean="0"/>
-              <a:t>16/5/27</a:t>
+              <a:t>2016/5/27</a:t>
             </a:fld>
             <a:endParaRPr kumimoji="1" lang="zh-CN" altLang="en-US"/>
           </a:p>
@@ -5414,7 +5416,7 @@
           <a:p>
             <a:fld id="{28428746-E1BB-BE45-ABA8-858F6D9BFAFB}" type="datetimeFigureOut">
               <a:rPr kumimoji="1" lang="zh-CN" altLang="en-US" smtClean="0"/>
-              <a:t>16/5/27</a:t>
+              <a:t>2016/5/27</a:t>
             </a:fld>
             <a:endParaRPr kumimoji="1" lang="zh-CN" altLang="en-US"/>
           </a:p>
@@ -5961,7 +5963,7 @@
                 </a:solidFill>
               </a:rPr>
               <a:pPr/>
-              <a:t>16/5/27</a:t>
+              <a:t>2016/5/27</a:t>
             </a:fld>
             <a:endParaRPr lang="zh-CN" altLang="en-US">
               <a:solidFill>
@@ -6784,15 +6786,7 @@
           <a:p>
             <a:r>
               <a:rPr lang="zh-CN" altLang="en-US" dirty="0" smtClean="0"/>
-              <a:t>为</a:t>
-            </a:r>
-            <a:r>
-              <a:rPr lang="zh-CN" altLang="en-US" dirty="0" smtClean="0"/>
-              <a:t>自查清单</a:t>
-            </a:r>
-            <a:r>
-              <a:rPr lang="zh-CN" altLang="en-US" dirty="0" smtClean="0"/>
-              <a:t>添加问题位置信息</a:t>
+              <a:t>为自查清单添加问题位置信息</a:t>
             </a:r>
             <a:endParaRPr lang="en-US" altLang="zh-CN" dirty="0" smtClean="0"/>
           </a:p>
@@ -6819,15 +6813,7 @@
             </a:r>
             <a:r>
               <a:rPr lang="zh-CN" altLang="en-US" dirty="0" smtClean="0"/>
-              <a:t>用例</a:t>
-            </a:r>
-            <a:r>
-              <a:rPr lang="zh-CN" altLang="en-US" dirty="0" smtClean="0"/>
-              <a:t>进行分工</a:t>
-            </a:r>
-            <a:r>
-              <a:rPr lang="zh-CN" altLang="en-US" dirty="0" smtClean="0"/>
-              <a:t>测试</a:t>
+              <a:t>用例进行分工测试</a:t>
             </a:r>
             <a:endParaRPr lang="en-US" altLang="zh-CN" dirty="0" smtClean="0"/>
           </a:p>
@@ -7247,15 +7233,7 @@
           <a:p>
             <a:r>
               <a:rPr lang="zh-CN" altLang="en-US" dirty="0" smtClean="0"/>
-              <a:t>回顾</a:t>
-            </a:r>
-            <a:r>
-              <a:rPr lang="zh-CN" altLang="en-US" dirty="0" smtClean="0"/>
-              <a:t>测试</a:t>
-            </a:r>
-            <a:r>
-              <a:rPr lang="zh-CN" altLang="en-US" dirty="0" smtClean="0"/>
-              <a:t>目标</a:t>
+              <a:t>回顾测试目标</a:t>
             </a:r>
             <a:endParaRPr lang="zh-CN" altLang="en-US" dirty="0"/>
           </a:p>
@@ -8138,15 +8116,7 @@
           <a:p>
             <a:r>
               <a:rPr lang="zh-CN" altLang="en-US" dirty="0" smtClean="0"/>
-              <a:t>测试</a:t>
-            </a:r>
-            <a:r>
-              <a:rPr lang="zh-CN" altLang="en-US" dirty="0" smtClean="0"/>
-              <a:t>结果</a:t>
-            </a:r>
-            <a:r>
-              <a:rPr lang="zh-CN" altLang="en-US" dirty="0" smtClean="0"/>
-              <a:t>统计</a:t>
+              <a:t>测试结果统计</a:t>
             </a:r>
             <a:endParaRPr lang="zh-CN" altLang="en-US" dirty="0"/>
           </a:p>
@@ -8285,7 +8255,73 @@
               <a:rPr lang="zh-CN" altLang="en-US" dirty="0" smtClean="0"/>
               <a:t>）</a:t>
             </a:r>
+            <a:endParaRPr lang="en-US" altLang="zh-CN" dirty="0" smtClean="0"/>
+          </a:p>
+          <a:p>
+            <a:pPr marL="342900" lvl="1" indent="-342900">
+              <a:buFont typeface="Arial" pitchFamily="34" charset="0"/>
+              <a:buChar char="•"/>
+            </a:pPr>
+            <a:r>
+              <a:rPr lang="zh-CN" altLang="en-US" dirty="0"/>
+              <a:t>非</a:t>
+            </a:r>
+            <a:r>
+              <a:rPr lang="zh-CN" altLang="en-US" dirty="0" smtClean="0"/>
+              <a:t>功能测试</a:t>
+            </a:r>
+            <a:endParaRPr lang="en-US" altLang="zh-CN" dirty="0" smtClean="0"/>
+          </a:p>
+          <a:p>
+            <a:pPr marL="742950" lvl="2" indent="-342900"/>
+            <a:r>
+              <a:rPr lang="zh-CN" altLang="en-US" dirty="0" smtClean="0"/>
+              <a:t>可靠性测试（</a:t>
+            </a:r>
+            <a:r>
+              <a:rPr lang="en-US" altLang="zh-CN" dirty="0" smtClean="0"/>
+              <a:t>1/2</a:t>
+            </a:r>
+            <a:r>
+              <a:rPr lang="zh-CN" altLang="en-US" dirty="0" smtClean="0"/>
+              <a:t>）（</a:t>
+            </a:r>
+            <a:r>
+              <a:rPr lang="en-US" altLang="zh-CN" dirty="0" smtClean="0"/>
+              <a:t>7</a:t>
+            </a:r>
+            <a:r>
+              <a:rPr lang="zh-CN" altLang="en-US" dirty="0" smtClean="0"/>
+              <a:t>*</a:t>
+            </a:r>
+            <a:r>
+              <a:rPr lang="en-US" altLang="zh-CN" dirty="0" smtClean="0"/>
+              <a:t>24</a:t>
+            </a:r>
+            <a:r>
+              <a:rPr lang="zh-CN" altLang="en-US" dirty="0" smtClean="0"/>
+              <a:t>小时还没测完）</a:t>
+            </a:r>
+            <a:endParaRPr lang="en-US" altLang="zh-CN" dirty="0" smtClean="0"/>
+          </a:p>
+          <a:p>
+            <a:pPr marL="742950" lvl="2" indent="-342900"/>
+            <a:r>
+              <a:rPr lang="zh-CN" altLang="en-US" dirty="0" smtClean="0"/>
+              <a:t>性能测试（</a:t>
+            </a:r>
+            <a:r>
+              <a:rPr lang="en-US" altLang="zh-CN" dirty="0" smtClean="0"/>
+              <a:t>4</a:t>
+            </a:r>
+            <a:r>
+              <a:rPr lang="zh-CN" altLang="en-US" dirty="0" smtClean="0"/>
+              <a:t>）</a:t>
+            </a:r>
             <a:endParaRPr lang="en-US" altLang="zh-CN" dirty="0"/>
+          </a:p>
+          <a:p>
+            <a:endParaRPr lang="en-US" altLang="zh-CN" dirty="0" smtClean="0"/>
           </a:p>
         </p:txBody>
       </p:sp>
@@ -8506,6 +8542,138 @@
         <p:spPr>
           <a:xfrm>
             <a:off x="3879273" y="4169756"/>
+            <a:ext cx="457200" cy="461665"/>
+          </a:xfrm>
+          <a:prstGeom prst="rect">
+            <a:avLst/>
+          </a:prstGeom>
+          <a:noFill/>
+        </p:spPr>
+        <p:txBody>
+          <a:bodyPr wrap="square" rtlCol="0">
+            <a:spAutoFit/>
+          </a:bodyPr>
+          <a:lstStyle>
+            <a:defPPr>
+              <a:defRPr lang="zh-CN"/>
+            </a:defPPr>
+            <a:lvl1pPr marL="0" algn="l" defTabSz="914400" rtl="0" eaLnBrk="1" latinLnBrk="0" hangingPunct="1">
+              <a:defRPr sz="1800" kern="1200">
+                <a:solidFill>
+                  <a:schemeClr val="tx1"/>
+                </a:solidFill>
+                <a:latin typeface="+mn-lt"/>
+                <a:ea typeface="+mn-ea"/>
+                <a:cs typeface="+mn-cs"/>
+              </a:defRPr>
+            </a:lvl1pPr>
+            <a:lvl2pPr marL="457200" algn="l" defTabSz="914400" rtl="0" eaLnBrk="1" latinLnBrk="0" hangingPunct="1">
+              <a:defRPr sz="1800" kern="1200">
+                <a:solidFill>
+                  <a:schemeClr val="tx1"/>
+                </a:solidFill>
+                <a:latin typeface="+mn-lt"/>
+                <a:ea typeface="+mn-ea"/>
+                <a:cs typeface="+mn-cs"/>
+              </a:defRPr>
+            </a:lvl2pPr>
+            <a:lvl3pPr marL="914400" algn="l" defTabSz="914400" rtl="0" eaLnBrk="1" latinLnBrk="0" hangingPunct="1">
+              <a:defRPr sz="1800" kern="1200">
+                <a:solidFill>
+                  <a:schemeClr val="tx1"/>
+                </a:solidFill>
+                <a:latin typeface="+mn-lt"/>
+                <a:ea typeface="+mn-ea"/>
+                <a:cs typeface="+mn-cs"/>
+              </a:defRPr>
+            </a:lvl3pPr>
+            <a:lvl4pPr marL="1371600" algn="l" defTabSz="914400" rtl="0" eaLnBrk="1" latinLnBrk="0" hangingPunct="1">
+              <a:defRPr sz="1800" kern="1200">
+                <a:solidFill>
+                  <a:schemeClr val="tx1"/>
+                </a:solidFill>
+                <a:latin typeface="+mn-lt"/>
+                <a:ea typeface="+mn-ea"/>
+                <a:cs typeface="+mn-cs"/>
+              </a:defRPr>
+            </a:lvl4pPr>
+            <a:lvl5pPr marL="1828800" algn="l" defTabSz="914400" rtl="0" eaLnBrk="1" latinLnBrk="0" hangingPunct="1">
+              <a:defRPr sz="1800" kern="1200">
+                <a:solidFill>
+                  <a:schemeClr val="tx1"/>
+                </a:solidFill>
+                <a:latin typeface="+mn-lt"/>
+                <a:ea typeface="+mn-ea"/>
+                <a:cs typeface="+mn-cs"/>
+              </a:defRPr>
+            </a:lvl5pPr>
+            <a:lvl6pPr marL="2286000" algn="l" defTabSz="914400" rtl="0" eaLnBrk="1" latinLnBrk="0" hangingPunct="1">
+              <a:defRPr sz="1800" kern="1200">
+                <a:solidFill>
+                  <a:schemeClr val="tx1"/>
+                </a:solidFill>
+                <a:latin typeface="+mn-lt"/>
+                <a:ea typeface="+mn-ea"/>
+                <a:cs typeface="+mn-cs"/>
+              </a:defRPr>
+            </a:lvl6pPr>
+            <a:lvl7pPr marL="2743200" algn="l" defTabSz="914400" rtl="0" eaLnBrk="1" latinLnBrk="0" hangingPunct="1">
+              <a:defRPr sz="1800" kern="1200">
+                <a:solidFill>
+                  <a:schemeClr val="tx1"/>
+                </a:solidFill>
+                <a:latin typeface="+mn-lt"/>
+                <a:ea typeface="+mn-ea"/>
+                <a:cs typeface="+mn-cs"/>
+              </a:defRPr>
+            </a:lvl7pPr>
+            <a:lvl8pPr marL="3200400" algn="l" defTabSz="914400" rtl="0" eaLnBrk="1" latinLnBrk="0" hangingPunct="1">
+              <a:defRPr sz="1800" kern="1200">
+                <a:solidFill>
+                  <a:schemeClr val="tx1"/>
+                </a:solidFill>
+                <a:latin typeface="+mn-lt"/>
+                <a:ea typeface="+mn-ea"/>
+                <a:cs typeface="+mn-cs"/>
+              </a:defRPr>
+            </a:lvl8pPr>
+            <a:lvl9pPr marL="3657600" algn="l" defTabSz="914400" rtl="0" eaLnBrk="1" latinLnBrk="0" hangingPunct="1">
+              <a:defRPr sz="1800" kern="1200">
+                <a:solidFill>
+                  <a:schemeClr val="tx1"/>
+                </a:solidFill>
+                <a:latin typeface="+mn-lt"/>
+                <a:ea typeface="+mn-ea"/>
+                <a:cs typeface="+mn-cs"/>
+              </a:defRPr>
+            </a:lvl9pPr>
+          </a:lstStyle>
+          <a:p>
+            <a:r>
+              <a:rPr kumimoji="1" lang="zh-CN" altLang="en-US" sz="2400" dirty="0" smtClean="0">
+                <a:solidFill>
+                  <a:srgbClr val="FF0000"/>
+                </a:solidFill>
+              </a:rPr>
+              <a:t>✔</a:t>
+            </a:r>
+            <a:endParaRPr kumimoji="1" lang="zh-CN" altLang="en-US" sz="2400" dirty="0">
+              <a:solidFill>
+                <a:srgbClr val="FF0000"/>
+              </a:solidFill>
+            </a:endParaRPr>
+          </a:p>
+        </p:txBody>
+      </p:sp>
+      <p:sp>
+        <p:nvSpPr>
+          <p:cNvPr id="8" name="文本框 6"/>
+          <p:cNvSpPr txBox="1"/>
+          <p:nvPr/>
+        </p:nvSpPr>
+        <p:spPr>
+          <a:xfrm>
+            <a:off x="3422073" y="6207695"/>
             <a:ext cx="457200" cy="461665"/>
           </a:xfrm>
           <a:prstGeom prst="rect">
@@ -9071,6 +9239,135 @@
                                   </p:childTnLst>
                                 </p:cTn>
                               </p:par>
+                              <p:par>
+                                <p:cTn id="38" presetID="10" presetClass="entr" presetSubtype="0" fill="hold" grpId="0" nodeType="withEffect">
+                                  <p:stCondLst>
+                                    <p:cond delay="0"/>
+                                  </p:stCondLst>
+                                  <p:childTnLst>
+                                    <p:set>
+                                      <p:cBhvr>
+                                        <p:cTn id="39" dur="1" fill="hold">
+                                          <p:stCondLst>
+                                            <p:cond delay="0"/>
+                                          </p:stCondLst>
+                                        </p:cTn>
+                                        <p:tgtEl>
+                                          <p:spTgt spid="3">
+                                            <p:txEl>
+                                              <p:pRg st="7" end="7"/>
+                                            </p:txEl>
+                                          </p:spTgt>
+                                        </p:tgtEl>
+                                        <p:attrNameLst>
+                                          <p:attrName>style.visibility</p:attrName>
+                                        </p:attrNameLst>
+                                      </p:cBhvr>
+                                      <p:to>
+                                        <p:strVal val="visible"/>
+                                      </p:to>
+                                    </p:set>
+                                    <p:animEffect transition="in" filter="fade">
+                                      <p:cBhvr>
+                                        <p:cTn id="40" dur="500"/>
+                                        <p:tgtEl>
+                                          <p:spTgt spid="3">
+                                            <p:txEl>
+                                              <p:pRg st="7" end="7"/>
+                                            </p:txEl>
+                                          </p:spTgt>
+                                        </p:tgtEl>
+                                      </p:cBhvr>
+                                    </p:animEffect>
+                                  </p:childTnLst>
+                                </p:cTn>
+                              </p:par>
+                              <p:par>
+                                <p:cTn id="41" presetID="10" presetClass="entr" presetSubtype="0" fill="hold" grpId="0" nodeType="withEffect">
+                                  <p:stCondLst>
+                                    <p:cond delay="0"/>
+                                  </p:stCondLst>
+                                  <p:childTnLst>
+                                    <p:set>
+                                      <p:cBhvr>
+                                        <p:cTn id="42" dur="1" fill="hold">
+                                          <p:stCondLst>
+                                            <p:cond delay="0"/>
+                                          </p:stCondLst>
+                                        </p:cTn>
+                                        <p:tgtEl>
+                                          <p:spTgt spid="3">
+                                            <p:txEl>
+                                              <p:pRg st="8" end="8"/>
+                                            </p:txEl>
+                                          </p:spTgt>
+                                        </p:tgtEl>
+                                        <p:attrNameLst>
+                                          <p:attrName>style.visibility</p:attrName>
+                                        </p:attrNameLst>
+                                      </p:cBhvr>
+                                      <p:to>
+                                        <p:strVal val="visible"/>
+                                      </p:to>
+                                    </p:set>
+                                    <p:animEffect transition="in" filter="fade">
+                                      <p:cBhvr>
+                                        <p:cTn id="43" dur="500"/>
+                                        <p:tgtEl>
+                                          <p:spTgt spid="3">
+                                            <p:txEl>
+                                              <p:pRg st="8" end="8"/>
+                                            </p:txEl>
+                                          </p:spTgt>
+                                        </p:tgtEl>
+                                      </p:cBhvr>
+                                    </p:animEffect>
+                                  </p:childTnLst>
+                                </p:cTn>
+                              </p:par>
+                              <p:par>
+                                <p:cTn id="44" presetID="10" presetClass="entr" presetSubtype="0" fill="hold" grpId="0" nodeType="withEffect">
+                                  <p:stCondLst>
+                                    <p:cond delay="0"/>
+                                  </p:stCondLst>
+                                  <p:childTnLst>
+                                    <p:set>
+                                      <p:cBhvr>
+                                        <p:cTn id="45" dur="1" fill="hold">
+                                          <p:stCondLst>
+                                            <p:cond delay="0"/>
+                                          </p:stCondLst>
+                                        </p:cTn>
+                                        <p:tgtEl>
+                                          <p:spTgt spid="3">
+                                            <p:txEl>
+                                              <p:pRg st="9" end="9"/>
+                                            </p:txEl>
+                                          </p:spTgt>
+                                        </p:tgtEl>
+                                        <p:attrNameLst>
+                                          <p:attrName>style.visibility</p:attrName>
+                                        </p:attrNameLst>
+                                      </p:cBhvr>
+                                      <p:to>
+                                        <p:strVal val="visible"/>
+                                      </p:to>
+                                    </p:set>
+                                    <p:animEffect transition="in" filter="fade">
+                                      <p:cBhvr>
+                                        <p:cTn id="46" dur="500"/>
+                                        <p:tgtEl>
+                                          <p:spTgt spid="3">
+                                            <p:txEl>
+                                              <p:pRg st="9" end="9"/>
+                                            </p:txEl>
+                                          </p:spTgt>
+                                        </p:tgtEl>
+                                      </p:cBhvr>
+                                    </p:animEffect>
+                                  </p:childTnLst>
+                                </p:cTn>
+                              </p:par>
                             </p:childTnLst>
                           </p:cTn>
                         </p:par>
@@ -9138,10 +9435,10 @@
           <a:lstStyle/>
           <a:p>
             <a:r>
-              <a:rPr lang="zh-CN" altLang="en-US" dirty="0"/>
-              <a:t>测试结果统计</a:t>
-            </a:r>
-            <a:endParaRPr kumimoji="1" lang="zh-CN" altLang="en-US" dirty="0"/>
+              <a:rPr lang="zh-CN" altLang="en-US" dirty="0" smtClean="0"/>
+              <a:t>性能测试结果</a:t>
+            </a:r>
+            <a:endParaRPr lang="zh-CN" altLang="en-US" dirty="0"/>
           </a:p>
         </p:txBody>
       </p:sp>
@@ -9161,51 +9458,116 @@
           <a:lstStyle/>
           <a:p>
             <a:r>
+              <a:rPr lang="zh-CN" altLang="en-US" dirty="0" smtClean="0"/>
+              <a:t>脚本与文件：</a:t>
+            </a:r>
+            <a:r>
+              <a:rPr lang="en-US" altLang="zh-CN" dirty="0"/>
+              <a:t>16TeamC/3.</a:t>
+            </a:r>
+            <a:r>
               <a:rPr lang="zh-CN" altLang="en-US" dirty="0"/>
-              <a:t>非功能测试</a:t>
+              <a:t>项目提交文档</a:t>
+            </a:r>
+            <a:r>
+              <a:rPr lang="en-US" altLang="zh-CN" dirty="0"/>
+              <a:t>/3.4</a:t>
+            </a:r>
+            <a:r>
+              <a:rPr lang="zh-CN" altLang="en-US" dirty="0"/>
+              <a:t>测试报告</a:t>
+            </a:r>
+            <a:r>
+              <a:rPr lang="en-US" altLang="zh-CN" dirty="0"/>
+              <a:t>/</a:t>
+            </a:r>
+            <a:r>
+              <a:rPr lang="en-US" altLang="zh-CN" dirty="0" err="1" smtClean="0"/>
+              <a:t>test_script</a:t>
             </a:r>
             <a:endParaRPr lang="en-US" altLang="zh-CN" dirty="0"/>
           </a:p>
           <a:p>
+            <a:r>
+              <a:rPr lang="zh-CN" altLang="en-US" dirty="0" smtClean="0"/>
+              <a:t>响应时间：</a:t>
+            </a:r>
+            <a:endParaRPr lang="en-US" altLang="zh-CN" dirty="0" smtClean="0"/>
+          </a:p>
+          <a:p>
             <a:pPr lvl="1"/>
             <a:r>
+              <a:rPr lang="en-US" altLang="zh-CN" dirty="0" err="1" smtClean="0"/>
+              <a:t>nginx</a:t>
+            </a:r>
+            <a:r>
               <a:rPr lang="zh-CN" altLang="en-US" dirty="0"/>
-              <a:t>可靠性测试（</a:t>
-            </a:r>
-            <a:r>
-              <a:rPr lang="en-US" altLang="zh-CN" dirty="0"/>
-              <a:t>2</a:t>
-            </a:r>
+              <a:t>比</a:t>
+            </a:r>
+            <a:r>
+              <a:rPr lang="en-US" altLang="zh-CN" dirty="0" smtClean="0"/>
+              <a:t>apache</a:t>
+            </a:r>
+            <a:r>
+              <a:rPr lang="zh-CN" altLang="en-US" dirty="0" smtClean="0"/>
+              <a:t>快一倍：</a:t>
+            </a:r>
+            <a:r>
+              <a:rPr lang="en-US" altLang="zh-CN" dirty="0" smtClean="0"/>
+              <a:t>1494192:743442 pages/min</a:t>
+            </a:r>
+          </a:p>
+          <a:p>
             <a:r>
               <a:rPr lang="zh-CN" altLang="en-US" dirty="0"/>
-              <a:t>）</a:t>
-            </a:r>
-            <a:endParaRPr lang="en-US" altLang="zh-CN" dirty="0"/>
+              <a:t>大</a:t>
+            </a:r>
+            <a:r>
+              <a:rPr lang="zh-CN" altLang="en-US" dirty="0" smtClean="0"/>
+              <a:t>文件测试：</a:t>
+            </a:r>
+            <a:endParaRPr lang="en-US" altLang="zh-CN" dirty="0" smtClean="0"/>
           </a:p>
           <a:p>
             <a:pPr lvl="1"/>
             <a:r>
-              <a:rPr lang="zh-CN" altLang="en-US" dirty="0"/>
-              <a:t>性能测试（</a:t>
-            </a:r>
-            <a:r>
-              <a:rPr lang="en-US" altLang="zh-CN" dirty="0"/>
-              <a:t>4</a:t>
-            </a:r>
-            <a:r>
-              <a:rPr lang="zh-CN" altLang="en-US" dirty="0"/>
-              <a:t>）</a:t>
-            </a:r>
-          </a:p>
-          <a:p>
-            <a:endParaRPr kumimoji="1" lang="zh-CN" altLang="en-US" dirty="0"/>
+              <a:rPr lang="en-US" altLang="zh-CN" dirty="0" err="1" smtClean="0"/>
+              <a:t>Nginx</a:t>
+            </a:r>
+            <a:r>
+              <a:rPr lang="zh-CN" altLang="en-US" dirty="0" smtClean="0"/>
+              <a:t>比</a:t>
+            </a:r>
+            <a:r>
+              <a:rPr lang="en-US" altLang="zh-CN" dirty="0" smtClean="0"/>
+              <a:t>apache</a:t>
+            </a:r>
+            <a:r>
+              <a:rPr lang="zh-CN" altLang="en-US" dirty="0" smtClean="0"/>
+              <a:t>稍快（</a:t>
+            </a:r>
+            <a:r>
+              <a:rPr lang="en-US" altLang="zh-CN" dirty="0" smtClean="0"/>
+              <a:t>30M</a:t>
+            </a:r>
+            <a:r>
+              <a:rPr lang="zh-CN" altLang="en-US" dirty="0" smtClean="0"/>
+              <a:t>文件）：</a:t>
+            </a:r>
+            <a:r>
+              <a:rPr lang="en-US" altLang="zh-CN" dirty="0" smtClean="0"/>
+              <a:t>61836:55666 pages/min</a:t>
+            </a:r>
+          </a:p>
+          <a:p>
+            <a:endParaRPr lang="en-US" altLang="zh-CN" dirty="0" smtClean="0"/>
           </a:p>
         </p:txBody>
       </p:sp>
     </p:spTree>
     <p:extLst>
       <p:ext uri="{BB962C8B-B14F-4D97-AF65-F5344CB8AC3E}">
-        <p14:creationId xmlns:p14="http://schemas.microsoft.com/office/powerpoint/2010/main" val="781709316"/>
+        <p14:creationId xmlns:p14="http://schemas.microsoft.com/office/powerpoint/2010/main" val="2489531834"/>
       </p:ext>
     </p:extLst>
   </p:cSld>
@@ -9215,6 +9577,13 @@
   <p:transition spd="slow">
     <p:push dir="u"/>
   </p:transition>
+  <p:timing>
+    <p:tnLst>
+      <p:par>
+        <p:cTn id="1" dur="indefinite" restart="never" nodeType="tmRoot"/>
+      </p:par>
+    </p:tnLst>
+  </p:timing>
 </p:sld>
 </file>
 
@@ -9251,10 +9620,10 @@
           <a:lstStyle/>
           <a:p>
             <a:r>
-              <a:rPr kumimoji="1" lang="zh-CN" altLang="en-US" dirty="0" smtClean="0"/>
-              <a:t>问题</a:t>
-            </a:r>
-            <a:endParaRPr kumimoji="1" lang="zh-CN" altLang="en-US" dirty="0"/>
+              <a:rPr lang="zh-CN" altLang="en-US" dirty="0" smtClean="0"/>
+              <a:t>性能测试结果续</a:t>
+            </a:r>
+            <a:endParaRPr lang="zh-CN" altLang="en-US" dirty="0"/>
           </a:p>
         </p:txBody>
       </p:sp>
@@ -9268,19 +9637,567 @@
             <p:ph idx="1"/>
           </p:nvPr>
         </p:nvSpPr>
-        <p:spPr/>
+        <p:spPr>
+          <a:xfrm>
+            <a:off x="457200" y="1417638"/>
+            <a:ext cx="8229600" cy="4708525"/>
+          </a:xfrm>
+        </p:spPr>
         <p:txBody>
           <a:bodyPr/>
           <a:lstStyle/>
           <a:p>
-            <a:endParaRPr kumimoji="1" lang="zh-CN" altLang="en-US"/>
-          </a:p>
-        </p:txBody>
-      </p:sp>
+            <a:r>
+              <a:rPr lang="zh-CN" altLang="en-US" dirty="0" smtClean="0"/>
+              <a:t>并发测试：</a:t>
+            </a:r>
+            <a:endParaRPr lang="en-US" altLang="zh-CN" dirty="0" smtClean="0"/>
+          </a:p>
+          <a:p>
+            <a:pPr lvl="1"/>
+            <a:r>
+              <a:rPr lang="en-US" altLang="zh-CN" dirty="0" err="1" smtClean="0"/>
+              <a:t>Nginx</a:t>
+            </a:r>
+            <a:r>
+              <a:rPr lang="zh-CN" altLang="en-US" dirty="0" smtClean="0"/>
+              <a:t>并发速度快，但到达系统极限时，错误率高</a:t>
+            </a:r>
+            <a:endParaRPr lang="en-US" altLang="zh-CN" dirty="0" smtClean="0"/>
+          </a:p>
+          <a:p>
+            <a:endParaRPr lang="en-US" altLang="zh-CN" dirty="0" smtClean="0"/>
+          </a:p>
+          <a:p>
+            <a:endParaRPr lang="en-US" altLang="zh-CN" dirty="0" smtClean="0"/>
+          </a:p>
+          <a:p>
+            <a:endParaRPr lang="en-US" altLang="zh-CN" dirty="0"/>
+          </a:p>
+          <a:p>
+            <a:endParaRPr lang="zh-CN" altLang="en-US" dirty="0"/>
+          </a:p>
+        </p:txBody>
+      </p:sp>
+      <p:graphicFrame>
+        <p:nvGraphicFramePr>
+          <p:cNvPr id="5" name="表格 4"/>
+          <p:cNvGraphicFramePr>
+            <a:graphicFrameLocks noGrp="1"/>
+          </p:cNvGraphicFramePr>
+          <p:nvPr>
+            <p:extLst>
+              <p:ext uri="{D42A27DB-BD31-4B8C-83A1-F6EECF244321}">
+                <p14:modId xmlns:p14="http://schemas.microsoft.com/office/powerpoint/2010/main" val="569400017"/>
+              </p:ext>
+            </p:extLst>
+          </p:nvPr>
+        </p:nvGraphicFramePr>
+        <p:xfrm>
+          <a:off x="722245" y="3047998"/>
+          <a:ext cx="7573615" cy="2796210"/>
+        </p:xfrm>
+        <a:graphic>
+          <a:graphicData uri="http://schemas.openxmlformats.org/drawingml/2006/table">
+            <a:tbl>
+              <a:tblPr firstRow="1" bandRow="1">
+                <a:tableStyleId>{5C22544A-7EE6-4342-B048-85BDC9FD1C3A}</a:tableStyleId>
+              </a:tblPr>
+              <a:tblGrid>
+                <a:gridCol w="1514723"/>
+                <a:gridCol w="1514723"/>
+                <a:gridCol w="1514723"/>
+                <a:gridCol w="1514723"/>
+                <a:gridCol w="1514723"/>
+              </a:tblGrid>
+              <a:tr h="466035">
+                <a:tc>
+                  <a:txBody>
+                    <a:bodyPr/>
+                    <a:lstStyle/>
+                    <a:p>
+                      <a:r>
+                        <a:rPr lang="zh-CN" altLang="en-US" dirty="0" smtClean="0"/>
+                        <a:t>并发数</a:t>
+                      </a:r>
+                      <a:endParaRPr lang="zh-CN" altLang="en-US" dirty="0"/>
+                    </a:p>
+                  </a:txBody>
+                  <a:tcPr/>
+                </a:tc>
+                <a:tc>
+                  <a:txBody>
+                    <a:bodyPr/>
+                    <a:lstStyle/>
+                    <a:p>
+                      <a:r>
+                        <a:rPr lang="en-US" altLang="zh-CN" dirty="0" smtClean="0"/>
+                        <a:t>Speed</a:t>
+                      </a:r>
+                      <a:r>
+                        <a:rPr lang="zh-CN" altLang="en-US" dirty="0" smtClean="0"/>
+                        <a:t>（</a:t>
+                      </a:r>
+                      <a:r>
+                        <a:rPr lang="en-US" altLang="zh-CN" dirty="0" err="1" smtClean="0"/>
+                        <a:t>ng</a:t>
+                      </a:r>
+                      <a:r>
+                        <a:rPr lang="zh-CN" altLang="en-US" dirty="0" smtClean="0"/>
+                        <a:t>）</a:t>
+                      </a:r>
+                      <a:endParaRPr lang="zh-CN" altLang="en-US" dirty="0"/>
+                    </a:p>
+                  </a:txBody>
+                  <a:tcPr/>
+                </a:tc>
+                <a:tc>
+                  <a:txBody>
+                    <a:bodyPr/>
+                    <a:lstStyle/>
+                    <a:p>
+                      <a:r>
+                        <a:rPr lang="en-US" altLang="zh-CN" dirty="0" smtClean="0"/>
+                        <a:t>Fail</a:t>
+                      </a:r>
+                      <a:r>
+                        <a:rPr lang="zh-CN" altLang="en-US" dirty="0" smtClean="0"/>
+                        <a:t>（</a:t>
+                      </a:r>
+                      <a:r>
+                        <a:rPr lang="en-US" altLang="zh-CN" dirty="0" err="1" smtClean="0"/>
+                        <a:t>ng</a:t>
+                      </a:r>
+                      <a:r>
+                        <a:rPr lang="zh-CN" altLang="en-US" dirty="0" smtClean="0"/>
+                        <a:t>）</a:t>
+                      </a:r>
+                      <a:endParaRPr lang="zh-CN" altLang="en-US" dirty="0"/>
+                    </a:p>
+                  </a:txBody>
+                  <a:tcPr/>
+                </a:tc>
+                <a:tc>
+                  <a:txBody>
+                    <a:bodyPr/>
+                    <a:lstStyle/>
+                    <a:p>
+                      <a:r>
+                        <a:rPr lang="en-US" altLang="zh-CN" dirty="0" smtClean="0"/>
+                        <a:t>Speed</a:t>
+                      </a:r>
+                      <a:r>
+                        <a:rPr lang="zh-CN" altLang="en-US" dirty="0" smtClean="0"/>
+                        <a:t>（</a:t>
+                      </a:r>
+                      <a:r>
+                        <a:rPr lang="en-US" altLang="zh-CN" dirty="0" err="1" smtClean="0"/>
+                        <a:t>apa</a:t>
+                      </a:r>
+                      <a:r>
+                        <a:rPr lang="zh-CN" altLang="en-US" dirty="0" smtClean="0"/>
+                        <a:t>）</a:t>
+                      </a:r>
+                      <a:endParaRPr lang="zh-CN" altLang="en-US" dirty="0"/>
+                    </a:p>
+                  </a:txBody>
+                  <a:tcPr/>
+                </a:tc>
+                <a:tc>
+                  <a:txBody>
+                    <a:bodyPr/>
+                    <a:lstStyle/>
+                    <a:p>
+                      <a:r>
+                        <a:rPr lang="en-US" altLang="zh-CN" dirty="0" smtClean="0"/>
+                        <a:t>Fail</a:t>
+                      </a:r>
+                      <a:r>
+                        <a:rPr lang="zh-CN" altLang="en-US" dirty="0" smtClean="0"/>
+                        <a:t>（</a:t>
+                      </a:r>
+                      <a:r>
+                        <a:rPr lang="en-US" altLang="zh-CN" dirty="0" err="1" smtClean="0"/>
+                        <a:t>apa</a:t>
+                      </a:r>
+                      <a:r>
+                        <a:rPr lang="zh-CN" altLang="en-US" dirty="0" smtClean="0"/>
+                        <a:t>）</a:t>
+                      </a:r>
+                      <a:endParaRPr lang="zh-CN" altLang="en-US" dirty="0"/>
+                    </a:p>
+                  </a:txBody>
+                  <a:tcPr/>
+                </a:tc>
+              </a:tr>
+              <a:tr h="466035">
+                <a:tc>
+                  <a:txBody>
+                    <a:bodyPr/>
+                    <a:lstStyle/>
+                    <a:p>
+                      <a:r>
+                        <a:rPr lang="en-US" altLang="zh-CN" dirty="0" smtClean="0"/>
+                        <a:t>1</a:t>
+                      </a:r>
+                      <a:endParaRPr lang="zh-CN" altLang="en-US" dirty="0"/>
+                    </a:p>
+                  </a:txBody>
+                  <a:tcPr/>
+                </a:tc>
+                <a:tc>
+                  <a:txBody>
+                    <a:bodyPr/>
+                    <a:lstStyle/>
+                    <a:p>
+                      <a:r>
+                        <a:rPr lang="en-US" altLang="zh-CN" dirty="0" smtClean="0"/>
+                        <a:t>1494194</a:t>
+                      </a:r>
+                      <a:endParaRPr lang="zh-CN" altLang="en-US" dirty="0"/>
+                    </a:p>
+                  </a:txBody>
+                  <a:tcPr/>
+                </a:tc>
+                <a:tc>
+                  <a:txBody>
+                    <a:bodyPr/>
+                    <a:lstStyle/>
+                    <a:p>
+                      <a:r>
+                        <a:rPr lang="en-US" altLang="zh-CN" dirty="0" smtClean="0"/>
+                        <a:t>0</a:t>
+                      </a:r>
+                      <a:endParaRPr lang="zh-CN" altLang="en-US" dirty="0"/>
+                    </a:p>
+                  </a:txBody>
+                  <a:tcPr/>
+                </a:tc>
+                <a:tc>
+                  <a:txBody>
+                    <a:bodyPr/>
+                    <a:lstStyle/>
+                    <a:p>
+                      <a:r>
+                        <a:rPr lang="en-US" altLang="zh-CN" dirty="0" smtClean="0"/>
+                        <a:t>743442</a:t>
+                      </a:r>
+                      <a:endParaRPr lang="zh-CN" altLang="en-US" dirty="0"/>
+                    </a:p>
+                  </a:txBody>
+                  <a:tcPr/>
+                </a:tc>
+                <a:tc>
+                  <a:txBody>
+                    <a:bodyPr/>
+                    <a:lstStyle/>
+                    <a:p>
+                      <a:r>
+                        <a:rPr lang="en-US" altLang="zh-CN" dirty="0" smtClean="0"/>
+                        <a:t>0</a:t>
+                      </a:r>
+                      <a:endParaRPr lang="zh-CN" altLang="en-US" dirty="0"/>
+                    </a:p>
+                  </a:txBody>
+                  <a:tcPr/>
+                </a:tc>
+              </a:tr>
+              <a:tr h="466035">
+                <a:tc>
+                  <a:txBody>
+                    <a:bodyPr/>
+                    <a:lstStyle/>
+                    <a:p>
+                      <a:r>
+                        <a:rPr lang="en-US" altLang="zh-CN" dirty="0" smtClean="0"/>
+                        <a:t>10</a:t>
+                      </a:r>
+                      <a:endParaRPr lang="zh-CN" altLang="en-US" dirty="0"/>
+                    </a:p>
+                  </a:txBody>
+                  <a:tcPr/>
+                </a:tc>
+                <a:tc>
+                  <a:txBody>
+                    <a:bodyPr/>
+                    <a:lstStyle/>
+                    <a:p>
+                      <a:r>
+                        <a:rPr lang="en-US" altLang="zh-CN" dirty="0" smtClean="0"/>
+                        <a:t>3056348</a:t>
+                      </a:r>
+                      <a:endParaRPr lang="zh-CN" altLang="en-US" dirty="0"/>
+                    </a:p>
+                  </a:txBody>
+                  <a:tcPr/>
+                </a:tc>
+                <a:tc>
+                  <a:txBody>
+                    <a:bodyPr/>
+                    <a:lstStyle/>
+                    <a:p>
+                      <a:r>
+                        <a:rPr lang="en-US" altLang="zh-CN" dirty="0" smtClean="0"/>
+                        <a:t>0</a:t>
+                      </a:r>
+                      <a:endParaRPr lang="zh-CN" altLang="en-US" dirty="0"/>
+                    </a:p>
+                  </a:txBody>
+                  <a:tcPr/>
+                </a:tc>
+                <a:tc>
+                  <a:txBody>
+                    <a:bodyPr/>
+                    <a:lstStyle/>
+                    <a:p>
+                      <a:r>
+                        <a:rPr lang="en-US" altLang="zh-CN" dirty="0" smtClean="0"/>
+                        <a:t>2537512</a:t>
+                      </a:r>
+                      <a:endParaRPr lang="zh-CN" altLang="en-US" dirty="0"/>
+                    </a:p>
+                  </a:txBody>
+                  <a:tcPr/>
+                </a:tc>
+                <a:tc>
+                  <a:txBody>
+                    <a:bodyPr/>
+                    <a:lstStyle/>
+                    <a:p>
+                      <a:r>
+                        <a:rPr lang="en-US" altLang="zh-CN" dirty="0" smtClean="0"/>
+                        <a:t>0</a:t>
+                      </a:r>
+                      <a:endParaRPr lang="zh-CN" altLang="en-US" dirty="0"/>
+                    </a:p>
+                  </a:txBody>
+                  <a:tcPr/>
+                </a:tc>
+              </a:tr>
+              <a:tr h="466035">
+                <a:tc>
+                  <a:txBody>
+                    <a:bodyPr/>
+                    <a:lstStyle/>
+                    <a:p>
+                      <a:r>
+                        <a:rPr lang="en-US" altLang="zh-CN" dirty="0" smtClean="0"/>
+                        <a:t>100</a:t>
+                      </a:r>
+                      <a:endParaRPr lang="zh-CN" altLang="en-US" dirty="0"/>
+                    </a:p>
+                  </a:txBody>
+                  <a:tcPr/>
+                </a:tc>
+                <a:tc>
+                  <a:txBody>
+                    <a:bodyPr/>
+                    <a:lstStyle/>
+                    <a:p>
+                      <a:r>
+                        <a:rPr lang="en-US" altLang="zh-CN" dirty="0" smtClean="0"/>
+                        <a:t>2935264</a:t>
+                      </a:r>
+                      <a:endParaRPr lang="zh-CN" altLang="en-US" dirty="0"/>
+                    </a:p>
+                  </a:txBody>
+                  <a:tcPr/>
+                </a:tc>
+                <a:tc>
+                  <a:txBody>
+                    <a:bodyPr/>
+                    <a:lstStyle/>
+                    <a:p>
+                      <a:r>
+                        <a:rPr lang="en-US" altLang="zh-CN" dirty="0" smtClean="0"/>
+                        <a:t>0</a:t>
+                      </a:r>
+                      <a:endParaRPr lang="zh-CN" altLang="en-US" dirty="0"/>
+                    </a:p>
+                  </a:txBody>
+                  <a:tcPr/>
+                </a:tc>
+                <a:tc>
+                  <a:txBody>
+                    <a:bodyPr/>
+                    <a:lstStyle/>
+                    <a:p>
+                      <a:r>
+                        <a:rPr lang="en-US" altLang="zh-CN" dirty="0" smtClean="0"/>
+                        <a:t>2884202</a:t>
+                      </a:r>
+                      <a:endParaRPr lang="zh-CN" altLang="en-US" dirty="0"/>
+                    </a:p>
+                  </a:txBody>
+                  <a:tcPr/>
+                </a:tc>
+                <a:tc>
+                  <a:txBody>
+                    <a:bodyPr/>
+                    <a:lstStyle/>
+                    <a:p>
+                      <a:r>
+                        <a:rPr lang="en-US" altLang="zh-CN" dirty="0" smtClean="0"/>
+                        <a:t>0</a:t>
+                      </a:r>
+                      <a:endParaRPr lang="zh-CN" altLang="en-US" dirty="0"/>
+                    </a:p>
+                  </a:txBody>
+                  <a:tcPr/>
+                </a:tc>
+              </a:tr>
+              <a:tr h="466035">
+                <a:tc>
+                  <a:txBody>
+                    <a:bodyPr/>
+                    <a:lstStyle/>
+                    <a:p>
+                      <a:r>
+                        <a:rPr lang="en-US" altLang="zh-CN" dirty="0" smtClean="0"/>
+                        <a:t>1000</a:t>
+                      </a:r>
+                      <a:endParaRPr lang="zh-CN" altLang="en-US" dirty="0"/>
+                    </a:p>
+                  </a:txBody>
+                  <a:tcPr/>
+                </a:tc>
+                <a:tc>
+                  <a:txBody>
+                    <a:bodyPr/>
+                    <a:lstStyle/>
+                    <a:p>
+                      <a:r>
+                        <a:rPr lang="en-US" altLang="zh-CN" dirty="0" smtClean="0"/>
+                        <a:t>2979576</a:t>
+                      </a:r>
+                      <a:endParaRPr lang="zh-CN" altLang="en-US" dirty="0"/>
+                    </a:p>
+                  </a:txBody>
+                  <a:tcPr/>
+                </a:tc>
+                <a:tc>
+                  <a:txBody>
+                    <a:bodyPr/>
+                    <a:lstStyle/>
+                    <a:p>
+                      <a:r>
+                        <a:rPr lang="en-US" altLang="zh-CN" dirty="0" smtClean="0"/>
+                        <a:t>495</a:t>
+                      </a:r>
+                      <a:endParaRPr lang="zh-CN" altLang="en-US" dirty="0"/>
+                    </a:p>
+                  </a:txBody>
+                  <a:tcPr/>
+                </a:tc>
+                <a:tc>
+                  <a:txBody>
+                    <a:bodyPr/>
+                    <a:lstStyle/>
+                    <a:p>
+                      <a:r>
+                        <a:rPr lang="en-US" altLang="zh-CN" dirty="0" smtClean="0"/>
+                        <a:t>2715886</a:t>
+                      </a:r>
+                      <a:endParaRPr lang="zh-CN" altLang="en-US" dirty="0"/>
+                    </a:p>
+                  </a:txBody>
+                  <a:tcPr/>
+                </a:tc>
+                <a:tc>
+                  <a:txBody>
+                    <a:bodyPr/>
+                    <a:lstStyle/>
+                    <a:p>
+                      <a:r>
+                        <a:rPr lang="en-US" altLang="zh-CN" dirty="0" smtClean="0"/>
+                        <a:t>43</a:t>
+                      </a:r>
+                      <a:endParaRPr lang="zh-CN" altLang="en-US" dirty="0"/>
+                    </a:p>
+                  </a:txBody>
+                  <a:tcPr/>
+                </a:tc>
+              </a:tr>
+              <a:tr h="466035">
+                <a:tc>
+                  <a:txBody>
+                    <a:bodyPr/>
+                    <a:lstStyle/>
+                    <a:p>
+                      <a:r>
+                        <a:rPr lang="en-US" altLang="zh-CN" dirty="0" smtClean="0"/>
+                        <a:t>10000</a:t>
+                      </a:r>
+                      <a:endParaRPr lang="zh-CN" altLang="en-US" dirty="0"/>
+                    </a:p>
+                  </a:txBody>
+                  <a:tcPr/>
+                </a:tc>
+                <a:tc>
+                  <a:txBody>
+                    <a:bodyPr/>
+                    <a:lstStyle/>
+                    <a:p>
+                      <a:r>
+                        <a:rPr lang="en-US" altLang="zh-CN" dirty="0" smtClean="0"/>
+                        <a:t>2955028</a:t>
+                      </a:r>
+                      <a:endParaRPr lang="zh-CN" altLang="en-US" dirty="0"/>
+                    </a:p>
+                  </a:txBody>
+                  <a:tcPr/>
+                </a:tc>
+                <a:tc>
+                  <a:txBody>
+                    <a:bodyPr/>
+                    <a:lstStyle/>
+                    <a:p>
+                      <a:r>
+                        <a:rPr lang="en-US" altLang="zh-CN" dirty="0" smtClean="0"/>
+                        <a:t>116</a:t>
+                      </a:r>
+                      <a:endParaRPr lang="zh-CN" altLang="en-US" dirty="0"/>
+                    </a:p>
+                  </a:txBody>
+                  <a:tcPr/>
+                </a:tc>
+                <a:tc>
+                  <a:txBody>
+                    <a:bodyPr/>
+                    <a:lstStyle/>
+                    <a:p>
+                      <a:r>
+                        <a:rPr lang="en-US" altLang="zh-CN" dirty="0" smtClean="0"/>
+                        <a:t>2708682</a:t>
+                      </a:r>
+                      <a:endParaRPr lang="zh-CN" altLang="en-US" dirty="0"/>
+                    </a:p>
+                  </a:txBody>
+                  <a:tcPr/>
+                </a:tc>
+                <a:tc>
+                  <a:txBody>
+                    <a:bodyPr/>
+                    <a:lstStyle/>
+                    <a:p>
+                      <a:r>
+                        <a:rPr lang="en-US" altLang="zh-CN" dirty="0" smtClean="0"/>
+                        <a:t>0</a:t>
+                      </a:r>
+                      <a:endParaRPr lang="zh-CN" altLang="en-US" dirty="0"/>
+                    </a:p>
+                  </a:txBody>
+                  <a:tcPr/>
+                </a:tc>
+              </a:tr>
+            </a:tbl>
+          </a:graphicData>
+        </a:graphic>
+      </p:graphicFrame>
     </p:spTree>
     <p:extLst>
       <p:ext uri="{BB962C8B-B14F-4D97-AF65-F5344CB8AC3E}">
-        <p14:creationId xmlns:p14="http://schemas.microsoft.com/office/powerpoint/2010/main" val="349819566"/>
+        <p14:creationId xmlns:p14="http://schemas.microsoft.com/office/powerpoint/2010/main" val="108161282"/>
       </p:ext>
     </p:extLst>
   </p:cSld>
@@ -9290,6 +10207,13 @@
   <p:transition spd="slow">
     <p:push dir="u"/>
   </p:transition>
+  <p:timing>
+    <p:tnLst>
+      <p:par>
+        <p:cTn id="1" dur="indefinite" restart="never" nodeType="tmRoot"/>
+      </p:par>
+    </p:tnLst>
+  </p:timing>
 </p:sld>
 </file>
 
@@ -9326,6 +10250,815 @@
           <a:lstStyle/>
           <a:p>
             <a:r>
+              <a:rPr lang="zh-CN" altLang="en-US" dirty="0"/>
+              <a:t>性能测试结果</a:t>
+            </a:r>
+            <a:r>
+              <a:rPr lang="zh-CN" altLang="en-US" dirty="0" smtClean="0"/>
+              <a:t>续续</a:t>
+            </a:r>
+            <a:endParaRPr lang="zh-CN" altLang="en-US" dirty="0"/>
+          </a:p>
+        </p:txBody>
+      </p:sp>
+      <p:sp>
+        <p:nvSpPr>
+          <p:cNvPr id="3" name="内容占位符 2"/>
+          <p:cNvSpPr>
+            <a:spLocks noGrp="1"/>
+          </p:cNvSpPr>
+          <p:nvPr>
+            <p:ph idx="1"/>
+          </p:nvPr>
+        </p:nvSpPr>
+        <p:spPr/>
+        <p:txBody>
+          <a:bodyPr/>
+          <a:lstStyle/>
+          <a:p>
+            <a:r>
+              <a:rPr lang="zh-CN" altLang="en-US" dirty="0"/>
+              <a:t>系统资源消耗测试</a:t>
+            </a:r>
+            <a:r>
+              <a:rPr lang="zh-CN" altLang="en-US" dirty="0" smtClean="0"/>
+              <a:t>：</a:t>
+            </a:r>
+            <a:endParaRPr lang="en-US" altLang="zh-CN" dirty="0" smtClean="0"/>
+          </a:p>
+          <a:p>
+            <a:pPr lvl="1"/>
+            <a:r>
+              <a:rPr lang="en-US" altLang="zh-CN" dirty="0" err="1" smtClean="0"/>
+              <a:t>Nginx</a:t>
+            </a:r>
+            <a:r>
+              <a:rPr lang="zh-CN" altLang="en-US" dirty="0" smtClean="0"/>
+              <a:t>系统占用比</a:t>
+            </a:r>
+            <a:r>
+              <a:rPr lang="en-US" altLang="zh-CN" dirty="0" smtClean="0"/>
+              <a:t>apache</a:t>
+            </a:r>
+            <a:r>
+              <a:rPr lang="zh-CN" altLang="en-US" dirty="0" smtClean="0"/>
+              <a:t>小很多</a:t>
+            </a:r>
+            <a:endParaRPr lang="en-US" altLang="zh-CN" dirty="0"/>
+          </a:p>
+          <a:p>
+            <a:endParaRPr lang="zh-CN" altLang="en-US" dirty="0"/>
+          </a:p>
+        </p:txBody>
+      </p:sp>
+      <p:graphicFrame>
+        <p:nvGraphicFramePr>
+          <p:cNvPr id="4" name="表格 3"/>
+          <p:cNvGraphicFramePr>
+            <a:graphicFrameLocks noGrp="1"/>
+          </p:cNvGraphicFramePr>
+          <p:nvPr>
+            <p:extLst>
+              <p:ext uri="{D42A27DB-BD31-4B8C-83A1-F6EECF244321}">
+                <p14:modId xmlns:p14="http://schemas.microsoft.com/office/powerpoint/2010/main" val="489293881"/>
+              </p:ext>
+            </p:extLst>
+          </p:nvPr>
+        </p:nvGraphicFramePr>
+        <p:xfrm>
+          <a:off x="672859" y="2849218"/>
+          <a:ext cx="7782030" cy="2544415"/>
+        </p:xfrm>
+        <a:graphic>
+          <a:graphicData uri="http://schemas.openxmlformats.org/drawingml/2006/table">
+            <a:tbl>
+              <a:tblPr firstRow="1" bandRow="1">
+                <a:tableStyleId>{5C22544A-7EE6-4342-B048-85BDC9FD1C3A}</a:tableStyleId>
+              </a:tblPr>
+              <a:tblGrid>
+                <a:gridCol w="1556406"/>
+                <a:gridCol w="1556406"/>
+                <a:gridCol w="1556406"/>
+                <a:gridCol w="1556406"/>
+                <a:gridCol w="1556406"/>
+              </a:tblGrid>
+              <a:tr h="385145">
+                <a:tc>
+                  <a:txBody>
+                    <a:bodyPr/>
+                    <a:lstStyle/>
+                    <a:p>
+                      <a:r>
+                        <a:rPr lang="zh-CN" altLang="en-US" dirty="0" smtClean="0"/>
+                        <a:t>并发数</a:t>
+                      </a:r>
+                      <a:endParaRPr lang="zh-CN" altLang="en-US" dirty="0"/>
+                    </a:p>
+                  </a:txBody>
+                  <a:tcPr/>
+                </a:tc>
+                <a:tc>
+                  <a:txBody>
+                    <a:bodyPr/>
+                    <a:lstStyle/>
+                    <a:p>
+                      <a:r>
+                        <a:rPr lang="en-US" altLang="zh-CN" dirty="0" smtClean="0"/>
+                        <a:t>CPU</a:t>
+                      </a:r>
+                      <a:r>
+                        <a:rPr lang="zh-CN" altLang="en-US" dirty="0" smtClean="0"/>
+                        <a:t>（</a:t>
+                      </a:r>
+                      <a:r>
+                        <a:rPr lang="en-US" altLang="zh-CN" dirty="0" err="1" smtClean="0"/>
+                        <a:t>ng</a:t>
+                      </a:r>
+                      <a:r>
+                        <a:rPr lang="zh-CN" altLang="en-US" dirty="0" smtClean="0"/>
+                        <a:t>）</a:t>
+                      </a:r>
+                      <a:endParaRPr lang="zh-CN" altLang="en-US" dirty="0"/>
+                    </a:p>
+                  </a:txBody>
+                  <a:tcPr/>
+                </a:tc>
+                <a:tc>
+                  <a:txBody>
+                    <a:bodyPr/>
+                    <a:lstStyle/>
+                    <a:p>
+                      <a:r>
+                        <a:rPr lang="en-US" altLang="zh-CN" dirty="0" smtClean="0"/>
+                        <a:t>MEM</a:t>
+                      </a:r>
+                      <a:r>
+                        <a:rPr lang="zh-CN" altLang="en-US" dirty="0" smtClean="0"/>
+                        <a:t>（</a:t>
+                      </a:r>
+                      <a:r>
+                        <a:rPr lang="en-US" altLang="zh-CN" dirty="0" err="1" smtClean="0"/>
+                        <a:t>ng</a:t>
+                      </a:r>
+                      <a:r>
+                        <a:rPr lang="zh-CN" altLang="en-US" dirty="0" smtClean="0"/>
+                        <a:t>）</a:t>
+                      </a:r>
+                      <a:endParaRPr lang="zh-CN" altLang="en-US" dirty="0"/>
+                    </a:p>
+                  </a:txBody>
+                  <a:tcPr/>
+                </a:tc>
+                <a:tc>
+                  <a:txBody>
+                    <a:bodyPr/>
+                    <a:lstStyle/>
+                    <a:p>
+                      <a:r>
+                        <a:rPr lang="en-US" altLang="zh-CN" dirty="0" smtClean="0"/>
+                        <a:t>CPU</a:t>
+                      </a:r>
+                      <a:r>
+                        <a:rPr lang="zh-CN" altLang="en-US" dirty="0" smtClean="0"/>
+                        <a:t>（</a:t>
+                      </a:r>
+                      <a:r>
+                        <a:rPr lang="en-US" altLang="zh-CN" dirty="0" err="1" smtClean="0"/>
+                        <a:t>apa</a:t>
+                      </a:r>
+                      <a:r>
+                        <a:rPr lang="zh-CN" altLang="en-US" dirty="0" smtClean="0"/>
+                        <a:t>）</a:t>
+                      </a:r>
+                      <a:endParaRPr lang="zh-CN" altLang="en-US" dirty="0"/>
+                    </a:p>
+                  </a:txBody>
+                  <a:tcPr/>
+                </a:tc>
+                <a:tc>
+                  <a:txBody>
+                    <a:bodyPr/>
+                    <a:lstStyle/>
+                    <a:p>
+                      <a:r>
+                        <a:rPr lang="en-US" altLang="zh-CN" dirty="0" smtClean="0"/>
+                        <a:t>MEM</a:t>
+                      </a:r>
+                      <a:r>
+                        <a:rPr lang="zh-CN" altLang="en-US" dirty="0" smtClean="0"/>
+                        <a:t>（</a:t>
+                      </a:r>
+                      <a:r>
+                        <a:rPr lang="en-US" altLang="zh-CN" dirty="0" err="1" smtClean="0"/>
+                        <a:t>apa</a:t>
+                      </a:r>
+                      <a:r>
+                        <a:rPr lang="zh-CN" altLang="en-US" dirty="0" smtClean="0"/>
+                        <a:t>）</a:t>
+                      </a:r>
+                      <a:endParaRPr lang="zh-CN" altLang="en-US" dirty="0"/>
+                    </a:p>
+                  </a:txBody>
+                  <a:tcPr/>
+                </a:tc>
+              </a:tr>
+              <a:tr h="431854">
+                <a:tc>
+                  <a:txBody>
+                    <a:bodyPr/>
+                    <a:lstStyle/>
+                    <a:p>
+                      <a:r>
+                        <a:rPr lang="en-US" altLang="zh-CN" dirty="0" smtClean="0"/>
+                        <a:t>1</a:t>
+                      </a:r>
+                      <a:endParaRPr lang="zh-CN" altLang="en-US" dirty="0"/>
+                    </a:p>
+                  </a:txBody>
+                  <a:tcPr/>
+                </a:tc>
+                <a:tc>
+                  <a:txBody>
+                    <a:bodyPr/>
+                    <a:lstStyle/>
+                    <a:p>
+                      <a:r>
+                        <a:rPr lang="en-US" altLang="zh-CN" dirty="0" smtClean="0"/>
+                        <a:t>6%</a:t>
+                      </a:r>
+                      <a:endParaRPr lang="zh-CN" altLang="en-US" dirty="0"/>
+                    </a:p>
+                  </a:txBody>
+                  <a:tcPr/>
+                </a:tc>
+                <a:tc>
+                  <a:txBody>
+                    <a:bodyPr/>
+                    <a:lstStyle/>
+                    <a:p>
+                      <a:r>
+                        <a:rPr lang="en-US" altLang="zh-CN" dirty="0" smtClean="0"/>
+                        <a:t>6440KB</a:t>
+                      </a:r>
+                      <a:endParaRPr lang="zh-CN" altLang="en-US" dirty="0"/>
+                    </a:p>
+                  </a:txBody>
+                  <a:tcPr/>
+                </a:tc>
+                <a:tc>
+                  <a:txBody>
+                    <a:bodyPr/>
+                    <a:lstStyle/>
+                    <a:p>
+                      <a:r>
+                        <a:rPr lang="en-US" altLang="zh-CN" dirty="0" smtClean="0"/>
+                        <a:t>6%</a:t>
+                      </a:r>
+                      <a:endParaRPr lang="zh-CN" altLang="en-US" dirty="0"/>
+                    </a:p>
+                  </a:txBody>
+                  <a:tcPr/>
+                </a:tc>
+                <a:tc>
+                  <a:txBody>
+                    <a:bodyPr/>
+                    <a:lstStyle/>
+                    <a:p>
+                      <a:r>
+                        <a:rPr lang="en-US" altLang="zh-CN" dirty="0" smtClean="0"/>
+                        <a:t>6828KB</a:t>
+                      </a:r>
+                      <a:endParaRPr lang="zh-CN" altLang="en-US" dirty="0"/>
+                    </a:p>
+                  </a:txBody>
+                  <a:tcPr/>
+                </a:tc>
+              </a:tr>
+              <a:tr h="431854">
+                <a:tc>
+                  <a:txBody>
+                    <a:bodyPr/>
+                    <a:lstStyle/>
+                    <a:p>
+                      <a:r>
+                        <a:rPr lang="en-US" altLang="zh-CN" dirty="0" smtClean="0"/>
+                        <a:t>10</a:t>
+                      </a:r>
+                      <a:endParaRPr lang="zh-CN" altLang="en-US" dirty="0"/>
+                    </a:p>
+                  </a:txBody>
+                  <a:tcPr/>
+                </a:tc>
+                <a:tc>
+                  <a:txBody>
+                    <a:bodyPr/>
+                    <a:lstStyle/>
+                    <a:p>
+                      <a:r>
+                        <a:rPr lang="en-US" altLang="zh-CN" dirty="0" smtClean="0"/>
+                        <a:t>12%</a:t>
+                      </a:r>
+                      <a:endParaRPr lang="zh-CN" altLang="en-US" dirty="0"/>
+                    </a:p>
+                  </a:txBody>
+                  <a:tcPr/>
+                </a:tc>
+                <a:tc>
+                  <a:txBody>
+                    <a:bodyPr/>
+                    <a:lstStyle/>
+                    <a:p>
+                      <a:r>
+                        <a:rPr lang="en-US" altLang="zh-CN" dirty="0" smtClean="0"/>
+                        <a:t>20604KB</a:t>
+                      </a:r>
+                      <a:endParaRPr lang="zh-CN" altLang="en-US" dirty="0"/>
+                    </a:p>
+                  </a:txBody>
+                  <a:tcPr/>
+                </a:tc>
+                <a:tc>
+                  <a:txBody>
+                    <a:bodyPr/>
+                    <a:lstStyle/>
+                    <a:p>
+                      <a:r>
+                        <a:rPr lang="en-US" altLang="zh-CN" dirty="0" smtClean="0"/>
+                        <a:t>30%</a:t>
+                      </a:r>
+                      <a:endParaRPr lang="zh-CN" altLang="en-US" dirty="0"/>
+                    </a:p>
+                  </a:txBody>
+                  <a:tcPr/>
+                </a:tc>
+                <a:tc>
+                  <a:txBody>
+                    <a:bodyPr/>
+                    <a:lstStyle/>
+                    <a:p>
+                      <a:r>
+                        <a:rPr lang="en-US" altLang="zh-CN" dirty="0" smtClean="0"/>
+                        <a:t>427168KB</a:t>
+                      </a:r>
+                      <a:endParaRPr lang="zh-CN" altLang="en-US" dirty="0"/>
+                    </a:p>
+                  </a:txBody>
+                  <a:tcPr/>
+                </a:tc>
+              </a:tr>
+              <a:tr h="431854">
+                <a:tc>
+                  <a:txBody>
+                    <a:bodyPr/>
+                    <a:lstStyle/>
+                    <a:p>
+                      <a:r>
+                        <a:rPr lang="en-US" altLang="zh-CN" dirty="0" smtClean="0"/>
+                        <a:t>100</a:t>
+                      </a:r>
+                      <a:endParaRPr lang="zh-CN" altLang="en-US" dirty="0"/>
+                    </a:p>
+                  </a:txBody>
+                  <a:tcPr/>
+                </a:tc>
+                <a:tc>
+                  <a:txBody>
+                    <a:bodyPr/>
+                    <a:lstStyle/>
+                    <a:p>
+                      <a:r>
+                        <a:rPr lang="en-US" altLang="zh-CN" dirty="0" smtClean="0"/>
+                        <a:t>12%</a:t>
+                      </a:r>
+                      <a:endParaRPr lang="zh-CN" altLang="en-US" dirty="0"/>
+                    </a:p>
+                  </a:txBody>
+                  <a:tcPr/>
+                </a:tc>
+                <a:tc>
+                  <a:txBody>
+                    <a:bodyPr/>
+                    <a:lstStyle/>
+                    <a:p>
+                      <a:pPr marL="0" marR="0" indent="0" algn="l" defTabSz="914400" rtl="0" eaLnBrk="1" fontAlgn="auto" latinLnBrk="0" hangingPunct="1">
+                        <a:lnSpc>
+                          <a:spcPct val="100000"/>
+                        </a:lnSpc>
+                        <a:spcBef>
+                          <a:spcPts val="0"/>
+                        </a:spcBef>
+                        <a:spcAft>
+                          <a:spcPts val="0"/>
+                        </a:spcAft>
+                        <a:buClrTx/>
+                        <a:buSzTx/>
+                        <a:buFontTx/>
+                        <a:buNone/>
+                        <a:tabLst/>
+                        <a:defRPr/>
+                      </a:pPr>
+                      <a:r>
+                        <a:rPr lang="en-US" altLang="zh-CN" dirty="0" smtClean="0"/>
+                        <a:t>20604KB</a:t>
+                      </a:r>
+                      <a:endParaRPr lang="zh-CN" altLang="en-US" dirty="0" smtClean="0"/>
+                    </a:p>
+                  </a:txBody>
+                  <a:tcPr/>
+                </a:tc>
+                <a:tc>
+                  <a:txBody>
+                    <a:bodyPr/>
+                    <a:lstStyle/>
+                    <a:p>
+                      <a:r>
+                        <a:rPr lang="en-US" altLang="zh-CN" dirty="0" smtClean="0"/>
+                        <a:t>32%</a:t>
+                      </a:r>
+                      <a:endParaRPr lang="zh-CN" altLang="en-US" dirty="0"/>
+                    </a:p>
+                  </a:txBody>
+                  <a:tcPr/>
+                </a:tc>
+                <a:tc>
+                  <a:txBody>
+                    <a:bodyPr/>
+                    <a:lstStyle/>
+                    <a:p>
+                      <a:pPr marL="0" marR="0" indent="0" algn="l" defTabSz="914400" rtl="0" eaLnBrk="1" fontAlgn="auto" latinLnBrk="0" hangingPunct="1">
+                        <a:lnSpc>
+                          <a:spcPct val="100000"/>
+                        </a:lnSpc>
+                        <a:spcBef>
+                          <a:spcPts val="0"/>
+                        </a:spcBef>
+                        <a:spcAft>
+                          <a:spcPts val="0"/>
+                        </a:spcAft>
+                        <a:buClrTx/>
+                        <a:buSzTx/>
+                        <a:buFontTx/>
+                        <a:buNone/>
+                        <a:tabLst/>
+                        <a:defRPr/>
+                      </a:pPr>
+                      <a:r>
+                        <a:rPr lang="en-US" altLang="zh-CN" dirty="0" smtClean="0"/>
+                        <a:t>427168KB</a:t>
+                      </a:r>
+                      <a:endParaRPr lang="zh-CN" altLang="en-US" dirty="0" smtClean="0"/>
+                    </a:p>
+                  </a:txBody>
+                  <a:tcPr/>
+                </a:tc>
+              </a:tr>
+              <a:tr h="431854">
+                <a:tc>
+                  <a:txBody>
+                    <a:bodyPr/>
+                    <a:lstStyle/>
+                    <a:p>
+                      <a:r>
+                        <a:rPr lang="en-US" altLang="zh-CN" dirty="0" smtClean="0"/>
+                        <a:t>1000</a:t>
+                      </a:r>
+                      <a:endParaRPr lang="zh-CN" altLang="en-US" dirty="0"/>
+                    </a:p>
+                  </a:txBody>
+                  <a:tcPr/>
+                </a:tc>
+                <a:tc>
+                  <a:txBody>
+                    <a:bodyPr/>
+                    <a:lstStyle/>
+                    <a:p>
+                      <a:r>
+                        <a:rPr lang="en-US" altLang="zh-CN" dirty="0" smtClean="0"/>
+                        <a:t>13%</a:t>
+                      </a:r>
+                      <a:endParaRPr lang="zh-CN" altLang="en-US" dirty="0"/>
+                    </a:p>
+                  </a:txBody>
+                  <a:tcPr/>
+                </a:tc>
+                <a:tc>
+                  <a:txBody>
+                    <a:bodyPr/>
+                    <a:lstStyle/>
+                    <a:p>
+                      <a:pPr marL="0" marR="0" indent="0" algn="l" defTabSz="914400" rtl="0" eaLnBrk="1" fontAlgn="auto" latinLnBrk="0" hangingPunct="1">
+                        <a:lnSpc>
+                          <a:spcPct val="100000"/>
+                        </a:lnSpc>
+                        <a:spcBef>
+                          <a:spcPts val="0"/>
+                        </a:spcBef>
+                        <a:spcAft>
+                          <a:spcPts val="0"/>
+                        </a:spcAft>
+                        <a:buClrTx/>
+                        <a:buSzTx/>
+                        <a:buFontTx/>
+                        <a:buNone/>
+                        <a:tabLst/>
+                        <a:defRPr/>
+                      </a:pPr>
+                      <a:r>
+                        <a:rPr lang="en-US" altLang="zh-CN" dirty="0" smtClean="0"/>
+                        <a:t>20604KB</a:t>
+                      </a:r>
+                      <a:endParaRPr lang="zh-CN" altLang="en-US" dirty="0" smtClean="0"/>
+                    </a:p>
+                  </a:txBody>
+                  <a:tcPr/>
+                </a:tc>
+                <a:tc>
+                  <a:txBody>
+                    <a:bodyPr/>
+                    <a:lstStyle/>
+                    <a:p>
+                      <a:r>
+                        <a:rPr lang="en-US" altLang="zh-CN" dirty="0" smtClean="0"/>
+                        <a:t>32%</a:t>
+                      </a:r>
+                      <a:endParaRPr lang="zh-CN" altLang="en-US" dirty="0"/>
+                    </a:p>
+                  </a:txBody>
+                  <a:tcPr/>
+                </a:tc>
+                <a:tc>
+                  <a:txBody>
+                    <a:bodyPr/>
+                    <a:lstStyle/>
+                    <a:p>
+                      <a:pPr marL="0" marR="0" indent="0" algn="l" defTabSz="914400" rtl="0" eaLnBrk="1" fontAlgn="auto" latinLnBrk="0" hangingPunct="1">
+                        <a:lnSpc>
+                          <a:spcPct val="100000"/>
+                        </a:lnSpc>
+                        <a:spcBef>
+                          <a:spcPts val="0"/>
+                        </a:spcBef>
+                        <a:spcAft>
+                          <a:spcPts val="0"/>
+                        </a:spcAft>
+                        <a:buClrTx/>
+                        <a:buSzTx/>
+                        <a:buFontTx/>
+                        <a:buNone/>
+                        <a:tabLst/>
+                        <a:defRPr/>
+                      </a:pPr>
+                      <a:r>
+                        <a:rPr lang="en-US" altLang="zh-CN" dirty="0" smtClean="0"/>
+                        <a:t>427168KB</a:t>
+                      </a:r>
+                      <a:endParaRPr lang="zh-CN" altLang="en-US" dirty="0" smtClean="0"/>
+                    </a:p>
+                  </a:txBody>
+                  <a:tcPr/>
+                </a:tc>
+              </a:tr>
+              <a:tr h="431854">
+                <a:tc>
+                  <a:txBody>
+                    <a:bodyPr/>
+                    <a:lstStyle/>
+                    <a:p>
+                      <a:r>
+                        <a:rPr lang="en-US" altLang="zh-CN" dirty="0" smtClean="0"/>
+                        <a:t>10000</a:t>
+                      </a:r>
+                      <a:endParaRPr lang="zh-CN" altLang="en-US" dirty="0"/>
+                    </a:p>
+                  </a:txBody>
+                  <a:tcPr/>
+                </a:tc>
+                <a:tc>
+                  <a:txBody>
+                    <a:bodyPr/>
+                    <a:lstStyle/>
+                    <a:p>
+                      <a:r>
+                        <a:rPr lang="en-US" altLang="zh-CN" dirty="0" smtClean="0"/>
+                        <a:t>15%</a:t>
+                      </a:r>
+                      <a:endParaRPr lang="zh-CN" altLang="en-US" dirty="0"/>
+                    </a:p>
+                  </a:txBody>
+                  <a:tcPr/>
+                </a:tc>
+                <a:tc>
+                  <a:txBody>
+                    <a:bodyPr/>
+                    <a:lstStyle/>
+                    <a:p>
+                      <a:pPr marL="0" marR="0" indent="0" algn="l" defTabSz="914400" rtl="0" eaLnBrk="1" fontAlgn="auto" latinLnBrk="0" hangingPunct="1">
+                        <a:lnSpc>
+                          <a:spcPct val="100000"/>
+                        </a:lnSpc>
+                        <a:spcBef>
+                          <a:spcPts val="0"/>
+                        </a:spcBef>
+                        <a:spcAft>
+                          <a:spcPts val="0"/>
+                        </a:spcAft>
+                        <a:buClrTx/>
+                        <a:buSzTx/>
+                        <a:buFontTx/>
+                        <a:buNone/>
+                        <a:tabLst/>
+                        <a:defRPr/>
+                      </a:pPr>
+                      <a:r>
+                        <a:rPr lang="en-US" altLang="zh-CN" dirty="0" smtClean="0"/>
+                        <a:t>20604KB</a:t>
+                      </a:r>
+                      <a:endParaRPr lang="zh-CN" altLang="en-US" dirty="0" smtClean="0"/>
+                    </a:p>
+                  </a:txBody>
+                  <a:tcPr/>
+                </a:tc>
+                <a:tc>
+                  <a:txBody>
+                    <a:bodyPr/>
+                    <a:lstStyle/>
+                    <a:p>
+                      <a:r>
+                        <a:rPr lang="en-US" altLang="zh-CN" dirty="0" smtClean="0"/>
+                        <a:t>32%</a:t>
+                      </a:r>
+                      <a:endParaRPr lang="zh-CN" altLang="en-US" dirty="0"/>
+                    </a:p>
+                  </a:txBody>
+                  <a:tcPr/>
+                </a:tc>
+                <a:tc>
+                  <a:txBody>
+                    <a:bodyPr/>
+                    <a:lstStyle/>
+                    <a:p>
+                      <a:pPr marL="0" marR="0" indent="0" algn="l" defTabSz="914400" rtl="0" eaLnBrk="1" fontAlgn="auto" latinLnBrk="0" hangingPunct="1">
+                        <a:lnSpc>
+                          <a:spcPct val="100000"/>
+                        </a:lnSpc>
+                        <a:spcBef>
+                          <a:spcPts val="0"/>
+                        </a:spcBef>
+                        <a:spcAft>
+                          <a:spcPts val="0"/>
+                        </a:spcAft>
+                        <a:buClrTx/>
+                        <a:buSzTx/>
+                        <a:buFontTx/>
+                        <a:buNone/>
+                        <a:tabLst/>
+                        <a:defRPr/>
+                      </a:pPr>
+                      <a:r>
+                        <a:rPr lang="en-US" altLang="zh-CN" dirty="0" smtClean="0"/>
+                        <a:t>427168KB</a:t>
+                      </a:r>
+                      <a:endParaRPr lang="zh-CN" altLang="en-US" dirty="0" smtClean="0"/>
+                    </a:p>
+                  </a:txBody>
+                  <a:tcPr/>
+                </a:tc>
+              </a:tr>
+            </a:tbl>
+          </a:graphicData>
+        </a:graphic>
+      </p:graphicFrame>
+    </p:spTree>
+    <p:extLst>
+      <p:ext uri="{BB962C8B-B14F-4D97-AF65-F5344CB8AC3E}">
+        <p14:creationId xmlns:p14="http://schemas.microsoft.com/office/powerpoint/2010/main" val="3509684012"/>
+      </p:ext>
+    </p:extLst>
+  </p:cSld>
+  <p:clrMapOvr>
+    <a:masterClrMapping/>
+  </p:clrMapOvr>
+  <p:transition spd="slow">
+    <p:push dir="u"/>
+  </p:transition>
+</p:sld>
+</file>
+
+<file path=ppt/slides/slide8.xml><?xml version="1.0" encoding="utf-8"?>
+<p:sld xmlns:a="http://schemas.openxmlformats.org/drawingml/2006/main" xmlns:r="http://schemas.openxmlformats.org/officeDocument/2006/relationships" xmlns:p="http://schemas.openxmlformats.org/presentationml/2006/main">
+  <p:cSld>
+    <p:spTree>
+      <p:nvGrpSpPr>
+        <p:cNvPr id="1" name=""/>
+        <p:cNvGrpSpPr/>
+        <p:nvPr/>
+      </p:nvGrpSpPr>
+      <p:grpSpPr>
+        <a:xfrm>
+          <a:off x="0" y="0"/>
+          <a:ext cx="0" cy="0"/>
+          <a:chOff x="0" y="0"/>
+          <a:chExt cx="0" cy="0"/>
+        </a:xfrm>
+      </p:grpSpPr>
+      <p:sp>
+        <p:nvSpPr>
+          <p:cNvPr id="2" name="标题 1"/>
+          <p:cNvSpPr>
+            <a:spLocks noGrp="1"/>
+          </p:cNvSpPr>
+          <p:nvPr>
+            <p:ph type="title"/>
+          </p:nvPr>
+        </p:nvSpPr>
+        <p:spPr/>
+        <p:txBody>
+          <a:bodyPr/>
+          <a:lstStyle/>
+          <a:p>
+            <a:r>
+              <a:rPr kumimoji="1" lang="zh-CN" altLang="en-US" dirty="0" smtClean="0"/>
+              <a:t>问题</a:t>
+            </a:r>
+            <a:endParaRPr kumimoji="1" lang="zh-CN" altLang="en-US" dirty="0"/>
+          </a:p>
+        </p:txBody>
+      </p:sp>
+      <p:sp>
+        <p:nvSpPr>
+          <p:cNvPr id="3" name="内容占位符 2"/>
+          <p:cNvSpPr>
+            <a:spLocks noGrp="1"/>
+          </p:cNvSpPr>
+          <p:nvPr>
+            <p:ph idx="1"/>
+          </p:nvPr>
+        </p:nvSpPr>
+        <p:spPr/>
+        <p:txBody>
+          <a:bodyPr/>
+          <a:lstStyle/>
+          <a:p>
+            <a:endParaRPr kumimoji="1" lang="zh-CN" altLang="en-US"/>
+          </a:p>
+        </p:txBody>
+      </p:sp>
+    </p:spTree>
+    <p:extLst>
+      <p:ext uri="{BB962C8B-B14F-4D97-AF65-F5344CB8AC3E}">
+        <p14:creationId xmlns:p14="http://schemas.microsoft.com/office/powerpoint/2010/main" val="349819566"/>
+      </p:ext>
+    </p:extLst>
+  </p:cSld>
+  <p:clrMapOvr>
+    <a:masterClrMapping/>
+  </p:clrMapOvr>
+  <p:transition spd="slow">
+    <p:push dir="u"/>
+  </p:transition>
+  <p:timing>
+    <p:tnLst>
+      <p:par>
+        <p:cTn id="1" dur="indefinite" restart="never" nodeType="tmRoot"/>
+      </p:par>
+    </p:tnLst>
+  </p:timing>
+</p:sld>
+</file>
+
+<file path=ppt/slides/slide9.xml><?xml version="1.0" encoding="utf-8"?>
+<p:sld xmlns:a="http://schemas.openxmlformats.org/drawingml/2006/main" xmlns:r="http://schemas.openxmlformats.org/officeDocument/2006/relationships" xmlns:p="http://schemas.openxmlformats.org/presentationml/2006/main">
+  <p:cSld>
+    <p:spTree>
+      <p:nvGrpSpPr>
+        <p:cNvPr id="1" name=""/>
+        <p:cNvGrpSpPr/>
+        <p:nvPr/>
+      </p:nvGrpSpPr>
+      <p:grpSpPr>
+        <a:xfrm>
+          <a:off x="0" y="0"/>
+          <a:ext cx="0" cy="0"/>
+          <a:chOff x="0" y="0"/>
+          <a:chExt cx="0" cy="0"/>
+        </a:xfrm>
+      </p:grpSpPr>
+      <p:sp>
+        <p:nvSpPr>
+          <p:cNvPr id="2" name="标题 1"/>
+          <p:cNvSpPr>
+            <a:spLocks noGrp="1"/>
+          </p:cNvSpPr>
+          <p:nvPr>
+            <p:ph type="title"/>
+          </p:nvPr>
+        </p:nvSpPr>
+        <p:spPr/>
+        <p:txBody>
+          <a:bodyPr/>
+          <a:lstStyle/>
+          <a:p>
+            <a:r>
               <a:rPr kumimoji="1" lang="zh-CN" altLang="en-US" dirty="0" smtClean="0"/>
               <a:t>自我评价</a:t>
             </a:r>
@@ -9408,6 +11141,13 @@
   <p:transition spd="slow">
     <p:push dir="u"/>
   </p:transition>
+  <p:timing>
+    <p:tnLst>
+      <p:par>
+        <p:cTn id="1" dur="indefinite" restart="never" nodeType="tmRoot"/>
+      </p:par>
+    </p:tnLst>
+  </p:timing>
 </p:sld>
 </file>
 
@@ -9454,7 +11194,7 @@
     </a:clrScheme>
     <a:fontScheme name="Office 主题">
       <a:majorFont>
-        <a:latin typeface="Calibri Light" panose="020F0302020204030204"/>
+        <a:latin typeface="Calibri Light"/>
         <a:ea typeface=""/>
         <a:cs typeface=""/>
         <a:font script="Jpan" typeface="ＭＳ Ｐゴシック"/>
@@ -9489,7 +11229,7 @@
         <a:font script="Geor" typeface="Sylfaen"/>
       </a:majorFont>
       <a:minorFont>
-        <a:latin typeface="Calibri" panose="020F0502020204030204"/>
+        <a:latin typeface="Calibri"/>
         <a:ea typeface=""/>
         <a:cs typeface=""/>
         <a:font script="Jpan" typeface="ＭＳ Ｐゴシック"/>
@@ -9666,7 +11406,7 @@
   <a:extraClrSchemeLst/>
   <a:extLst>
     <a:ext uri="{05A4C25C-085E-4340-85A3-A5531E510DB2}">
-      <thm15:themeFamily xmlns:thm15="http://schemas.microsoft.com/office/thememl/2012/main" name="Office Theme" id="{62F939B6-93AF-4DB8-9C6B-D6C7DFDC589F}" vid="{4A3C46E8-61CC-4603-A589-7422A47A8E4A}"/>
+      <thm15:themeFamily xmlns:thm15="http://schemas.microsoft.com/office/thememl/2012/main" xmlns="" name="Office Theme" id="{62F939B6-93AF-4DB8-9C6B-D6C7DFDC589F}" vid="{4A3C46E8-61CC-4603-A589-7422A47A8E4A}"/>
     </a:ext>
   </a:extLst>
 </a:theme>

--- a/2.项目PPT/第十三周进度.pptx
+++ b/2.项目PPT/第十三周进度.pptx
@@ -113,6 +113,22 @@
       </a:defRPr>
     </a:lvl9pPr>
   </p:defaultTextStyle>
+  <p:extLst>
+    <p:ext uri="{EFAFB233-063F-42B5-8137-9DF3F51BA10A}">
+      <p15:sldGuideLst xmlns:p15="http://schemas.microsoft.com/office/powerpoint/2012/main">
+        <p15:guide id="1" orient="horz" pos="2160">
+          <p15:clr>
+            <a:srgbClr val="A4A3A4"/>
+          </p15:clr>
+        </p15:guide>
+        <p15:guide id="2" pos="2880">
+          <p15:clr>
+            <a:srgbClr val="A4A3A4"/>
+          </p15:clr>
+        </p15:guide>
+      </p15:sldGuideLst>
+    </p:ext>
+  </p:extLst>
 </p:presentation>
 </file>
 
@@ -247,7 +263,7 @@
           <a:p>
             <a:fld id="{28428746-E1BB-BE45-ABA8-858F6D9BFAFB}" type="datetimeFigureOut">
               <a:rPr kumimoji="1" lang="zh-CN" altLang="en-US" smtClean="0"/>
-              <a:t>2016/5/27</a:t>
+              <a:t>16/5/27</a:t>
             </a:fld>
             <a:endParaRPr kumimoji="1" lang="zh-CN" altLang="en-US"/>
           </a:p>
@@ -417,7 +433,7 @@
           <a:p>
             <a:fld id="{28428746-E1BB-BE45-ABA8-858F6D9BFAFB}" type="datetimeFigureOut">
               <a:rPr kumimoji="1" lang="zh-CN" altLang="en-US" smtClean="0"/>
-              <a:t>2016/5/27</a:t>
+              <a:t>16/5/27</a:t>
             </a:fld>
             <a:endParaRPr kumimoji="1" lang="zh-CN" altLang="en-US"/>
           </a:p>
@@ -597,7 +613,7 @@
           <a:p>
             <a:fld id="{28428746-E1BB-BE45-ABA8-858F6D9BFAFB}" type="datetimeFigureOut">
               <a:rPr kumimoji="1" lang="zh-CN" altLang="en-US" smtClean="0"/>
-              <a:t>2016/5/27</a:t>
+              <a:t>16/5/27</a:t>
             </a:fld>
             <a:endParaRPr kumimoji="1" lang="zh-CN" altLang="en-US"/>
           </a:p>
@@ -846,7 +862,7 @@
                 </a:solidFill>
               </a:rPr>
               <a:pPr/>
-              <a:t>2016/5/27</a:t>
+              <a:t>16/5/27</a:t>
             </a:fld>
             <a:endParaRPr lang="zh-CN" altLang="en-US">
               <a:solidFill>
@@ -1051,7 +1067,7 @@
                 </a:solidFill>
               </a:rPr>
               <a:pPr/>
-              <a:t>2016/5/27</a:t>
+              <a:t>16/5/27</a:t>
             </a:fld>
             <a:endParaRPr lang="zh-CN" altLang="en-US">
               <a:solidFill>
@@ -1332,7 +1348,7 @@
                 </a:solidFill>
               </a:rPr>
               <a:pPr/>
-              <a:t>2016/5/27</a:t>
+              <a:t>16/5/27</a:t>
             </a:fld>
             <a:endParaRPr lang="zh-CN" altLang="en-US">
               <a:solidFill>
@@ -1655,7 +1671,7 @@
                 </a:solidFill>
               </a:rPr>
               <a:pPr/>
-              <a:t>2016/5/27</a:t>
+              <a:t>16/5/27</a:t>
             </a:fld>
             <a:endParaRPr lang="zh-CN" altLang="en-US">
               <a:solidFill>
@@ -2112,7 +2128,7 @@
                 </a:solidFill>
               </a:rPr>
               <a:pPr/>
-              <a:t>2016/5/27</a:t>
+              <a:t>16/5/27</a:t>
             </a:fld>
             <a:endParaRPr lang="zh-CN" altLang="en-US">
               <a:solidFill>
@@ -2265,7 +2281,7 @@
                 </a:solidFill>
               </a:rPr>
               <a:pPr/>
-              <a:t>2016/5/27</a:t>
+              <a:t>16/5/27</a:t>
             </a:fld>
             <a:endParaRPr lang="zh-CN" altLang="en-US">
               <a:solidFill>
@@ -2395,7 +2411,7 @@
                 </a:solidFill>
               </a:rPr>
               <a:pPr/>
-              <a:t>2016/5/27</a:t>
+              <a:t>16/5/27</a:t>
             </a:fld>
             <a:endParaRPr lang="zh-CN" altLang="en-US">
               <a:solidFill>
@@ -2707,7 +2723,7 @@
                 </a:solidFill>
               </a:rPr>
               <a:pPr/>
-              <a:t>2016/5/27</a:t>
+              <a:t>16/5/27</a:t>
             </a:fld>
             <a:endParaRPr lang="zh-CN" altLang="en-US">
               <a:solidFill>
@@ -2905,7 +2921,7 @@
           <a:p>
             <a:fld id="{28428746-E1BB-BE45-ABA8-858F6D9BFAFB}" type="datetimeFigureOut">
               <a:rPr kumimoji="1" lang="zh-CN" altLang="en-US" smtClean="0"/>
-              <a:t>2016/5/27</a:t>
+              <a:t>16/5/27</a:t>
             </a:fld>
             <a:endParaRPr kumimoji="1" lang="zh-CN" altLang="en-US"/>
           </a:p>
@@ -3165,7 +3181,7 @@
                 </a:solidFill>
               </a:rPr>
               <a:pPr/>
-              <a:t>2016/5/27</a:t>
+              <a:t>16/5/27</a:t>
             </a:fld>
             <a:endParaRPr lang="zh-CN" altLang="en-US">
               <a:solidFill>
@@ -3370,7 +3386,7 @@
                 </a:solidFill>
               </a:rPr>
               <a:pPr/>
-              <a:t>2016/5/27</a:t>
+              <a:t>16/5/27</a:t>
             </a:fld>
             <a:endParaRPr lang="zh-CN" altLang="en-US">
               <a:solidFill>
@@ -3585,7 +3601,7 @@
                 </a:solidFill>
               </a:rPr>
               <a:pPr/>
-              <a:t>2016/5/27</a:t>
+              <a:t>16/5/27</a:t>
             </a:fld>
             <a:endParaRPr lang="zh-CN" altLang="en-US">
               <a:solidFill>
@@ -3857,7 +3873,7 @@
           <a:p>
             <a:fld id="{28428746-E1BB-BE45-ABA8-858F6D9BFAFB}" type="datetimeFigureOut">
               <a:rPr kumimoji="1" lang="zh-CN" altLang="en-US" smtClean="0"/>
-              <a:t>2016/5/27</a:t>
+              <a:t>16/5/27</a:t>
             </a:fld>
             <a:endParaRPr kumimoji="1" lang="zh-CN" altLang="en-US"/>
           </a:p>
@@ -4089,7 +4105,7 @@
           <a:p>
             <a:fld id="{28428746-E1BB-BE45-ABA8-858F6D9BFAFB}" type="datetimeFigureOut">
               <a:rPr kumimoji="1" lang="zh-CN" altLang="en-US" smtClean="0"/>
-              <a:t>2016/5/27</a:t>
+              <a:t>16/5/27</a:t>
             </a:fld>
             <a:endParaRPr kumimoji="1" lang="zh-CN" altLang="en-US"/>
           </a:p>
@@ -4456,7 +4472,7 @@
           <a:p>
             <a:fld id="{28428746-E1BB-BE45-ABA8-858F6D9BFAFB}" type="datetimeFigureOut">
               <a:rPr kumimoji="1" lang="zh-CN" altLang="en-US" smtClean="0"/>
-              <a:t>2016/5/27</a:t>
+              <a:t>16/5/27</a:t>
             </a:fld>
             <a:endParaRPr kumimoji="1" lang="zh-CN" altLang="en-US"/>
           </a:p>
@@ -4574,7 +4590,7 @@
           <a:p>
             <a:fld id="{28428746-E1BB-BE45-ABA8-858F6D9BFAFB}" type="datetimeFigureOut">
               <a:rPr kumimoji="1" lang="zh-CN" altLang="en-US" smtClean="0"/>
-              <a:t>2016/5/27</a:t>
+              <a:t>16/5/27</a:t>
             </a:fld>
             <a:endParaRPr kumimoji="1" lang="zh-CN" altLang="en-US"/>
           </a:p>
@@ -4669,7 +4685,7 @@
           <a:p>
             <a:fld id="{28428746-E1BB-BE45-ABA8-858F6D9BFAFB}" type="datetimeFigureOut">
               <a:rPr kumimoji="1" lang="zh-CN" altLang="en-US" smtClean="0"/>
-              <a:t>2016/5/27</a:t>
+              <a:t>16/5/27</a:t>
             </a:fld>
             <a:endParaRPr kumimoji="1" lang="zh-CN" altLang="en-US"/>
           </a:p>
@@ -4946,7 +4962,7 @@
           <a:p>
             <a:fld id="{28428746-E1BB-BE45-ABA8-858F6D9BFAFB}" type="datetimeFigureOut">
               <a:rPr kumimoji="1" lang="zh-CN" altLang="en-US" smtClean="0"/>
-              <a:t>2016/5/27</a:t>
+              <a:t>16/5/27</a:t>
             </a:fld>
             <a:endParaRPr kumimoji="1" lang="zh-CN" altLang="en-US"/>
           </a:p>
@@ -5203,7 +5219,7 @@
           <a:p>
             <a:fld id="{28428746-E1BB-BE45-ABA8-858F6D9BFAFB}" type="datetimeFigureOut">
               <a:rPr kumimoji="1" lang="zh-CN" altLang="en-US" smtClean="0"/>
-              <a:t>2016/5/27</a:t>
+              <a:t>16/5/27</a:t>
             </a:fld>
             <a:endParaRPr kumimoji="1" lang="zh-CN" altLang="en-US"/>
           </a:p>
@@ -5416,7 +5432,7 @@
           <a:p>
             <a:fld id="{28428746-E1BB-BE45-ABA8-858F6D9BFAFB}" type="datetimeFigureOut">
               <a:rPr kumimoji="1" lang="zh-CN" altLang="en-US" smtClean="0"/>
-              <a:t>2016/5/27</a:t>
+              <a:t>16/5/27</a:t>
             </a:fld>
             <a:endParaRPr kumimoji="1" lang="zh-CN" altLang="en-US"/>
           </a:p>
@@ -5963,7 +5979,7 @@
                 </a:solidFill>
               </a:rPr>
               <a:pPr/>
-              <a:t>2016/5/27</a:t>
+              <a:t>16/5/27</a:t>
             </a:fld>
             <a:endParaRPr lang="zh-CN" altLang="en-US">
               <a:solidFill>
@@ -8253,6 +8269,14 @@
             </a:r>
             <a:r>
               <a:rPr lang="zh-CN" altLang="en-US" dirty="0" smtClean="0"/>
+              <a:t>）（</a:t>
+            </a:r>
+            <a:r>
+              <a:rPr lang="zh-CN" altLang="en-US" dirty="0" smtClean="0"/>
+              <a:t>部分功能没有实现</a:t>
+            </a:r>
+            <a:r>
+              <a:rPr lang="zh-CN" altLang="en-US" dirty="0" smtClean="0"/>
               <a:t>）</a:t>
             </a:r>
             <a:endParaRPr lang="en-US" altLang="zh-CN" dirty="0" smtClean="0"/>
@@ -10999,7 +11023,27 @@
           <a:bodyPr/>
           <a:lstStyle/>
           <a:p>
-            <a:endParaRPr kumimoji="1" lang="zh-CN" altLang="en-US"/>
+            <a:r>
+              <a:rPr kumimoji="1" lang="zh-CN" altLang="en-US" dirty="0" smtClean="0"/>
+              <a:t>对于</a:t>
+            </a:r>
+            <a:r>
+              <a:rPr kumimoji="1" lang="en-US" altLang="zh-CN" dirty="0" err="1" smtClean="0"/>
+              <a:t>nginx</a:t>
+            </a:r>
+            <a:r>
+              <a:rPr kumimoji="1" lang="zh-CN" altLang="en-US" dirty="0" smtClean="0"/>
+              <a:t>系统状态的监控和控制，只实现了</a:t>
+            </a:r>
+            <a:r>
+              <a:rPr kumimoji="1" lang="en-US" altLang="zh-CN" dirty="0" smtClean="0"/>
+              <a:t>UI</a:t>
+            </a:r>
+            <a:r>
+              <a:rPr kumimoji="1" lang="zh-CN" altLang="en-US" dirty="0" smtClean="0"/>
+              <a:t>，后台逻辑没有实现</a:t>
+            </a:r>
+            <a:endParaRPr kumimoji="1" lang="zh-CN" altLang="en-US" dirty="0"/>
           </a:p>
         </p:txBody>
       </p:sp>
@@ -11406,7 +11450,7 @@
   <a:extraClrSchemeLst/>
   <a:extLst>
     <a:ext uri="{05A4C25C-085E-4340-85A3-A5531E510DB2}">
-      <thm15:themeFamily xmlns:thm15="http://schemas.microsoft.com/office/thememl/2012/main" xmlns="" name="Office Theme" id="{62F939B6-93AF-4DB8-9C6B-D6C7DFDC589F}" vid="{4A3C46E8-61CC-4603-A589-7422A47A8E4A}"/>
+      <thm15:themeFamily xmlns:thm15="http://schemas.microsoft.com/office/thememl/2012/main" name="Office Theme" id="{62F939B6-93AF-4DB8-9C6B-D6C7DFDC589F}" vid="{4A3C46E8-61CC-4603-A589-7422A47A8E4A}"/>
     </a:ext>
   </a:extLst>
 </a:theme>

--- a/2.项目PPT/第十三周进度.pptx
+++ b/2.项目PPT/第十三周进度.pptx
@@ -6800,6 +6800,11 @@
           <a:bodyPr/>
           <a:lstStyle/>
           <a:p>
+            <a:pPr>
+              <a:lnSpc>
+                <a:spcPct val="150000"/>
+              </a:lnSpc>
+            </a:pPr>
             <a:r>
               <a:rPr lang="zh-CN" altLang="en-US" dirty="0" smtClean="0"/>
               <a:t>为自查清单添加问题位置信息</a:t>
@@ -6807,6 +6812,11 @@
             <a:endParaRPr lang="en-US" altLang="zh-CN" dirty="0" smtClean="0"/>
           </a:p>
           <a:p>
+            <a:pPr>
+              <a:lnSpc>
+                <a:spcPct val="150000"/>
+              </a:lnSpc>
+            </a:pPr>
             <a:r>
               <a:rPr lang="zh-CN" altLang="en-US" dirty="0" smtClean="0"/>
               <a:t>对</a:t>
@@ -6834,12 +6844,22 @@
             <a:endParaRPr lang="en-US" altLang="zh-CN" dirty="0" smtClean="0"/>
           </a:p>
           <a:p>
+            <a:pPr>
+              <a:lnSpc>
+                <a:spcPct val="150000"/>
+              </a:lnSpc>
+            </a:pPr>
             <a:r>
               <a:rPr lang="zh-CN" altLang="en-US" dirty="0" smtClean="0"/>
               <a:t>完成测试报告</a:t>
             </a:r>
           </a:p>
           <a:p>
+            <a:pPr>
+              <a:lnSpc>
+                <a:spcPct val="150000"/>
+              </a:lnSpc>
+            </a:pPr>
             <a:r>
               <a:rPr lang="zh-CN" altLang="en-US" dirty="0" smtClean="0"/>
               <a:t>更新</a:t>
@@ -6851,6 +6871,11 @@
             <a:endParaRPr lang="zh-CN" altLang="en-US" dirty="0" smtClean="0"/>
           </a:p>
           <a:p>
+            <a:pPr>
+              <a:lnSpc>
+                <a:spcPct val="150000"/>
+              </a:lnSpc>
+            </a:pPr>
             <a:r>
               <a:rPr lang="zh-CN" altLang="en-US" dirty="0" smtClean="0"/>
               <a:t>添加统计数据</a:t>
@@ -8156,7 +8181,7 @@
         </p:spPr>
         <p:txBody>
           <a:bodyPr>
-            <a:normAutofit/>
+            <a:normAutofit lnSpcReduction="10000"/>
           </a:bodyPr>
           <a:lstStyle/>
           <a:p>
@@ -8189,15 +8214,22 @@
           <a:p>
             <a:r>
               <a:rPr lang="zh-CN" altLang="en-US" dirty="0"/>
-              <a:t>功能测试</a:t>
-            </a:r>
-            <a:endParaRPr lang="en-US" altLang="zh-CN" dirty="0"/>
+              <a:t>功能</a:t>
+            </a:r>
+            <a:r>
+              <a:rPr lang="zh-CN" altLang="en-US" dirty="0" smtClean="0"/>
+              <a:t>测试</a:t>
+            </a:r>
           </a:p>
           <a:p>
             <a:pPr lvl="1"/>
             <a:r>
+              <a:rPr lang="zh-CN" altLang="en-US" dirty="0" smtClean="0"/>
+              <a:t>静态</a:t>
+            </a:r>
+            <a:r>
               <a:rPr lang="zh-CN" altLang="en-US" dirty="0"/>
-              <a:t>静态文件</a:t>
+              <a:t>文件</a:t>
             </a:r>
             <a:r>
               <a:rPr lang="zh-CN" altLang="en-US" dirty="0" smtClean="0"/>
@@ -8269,17 +8301,8 @@
             </a:r>
             <a:r>
               <a:rPr lang="zh-CN" altLang="en-US" dirty="0" smtClean="0"/>
-              <a:t>）（</a:t>
-            </a:r>
-            <a:r>
-              <a:rPr lang="zh-CN" altLang="en-US" dirty="0" smtClean="0"/>
-              <a:t>部分功能没有实现</a:t>
-            </a:r>
-            <a:r>
-              <a:rPr lang="zh-CN" altLang="en-US" dirty="0" smtClean="0"/>
               <a:t>）</a:t>
             </a:r>
-            <a:endParaRPr lang="en-US" altLang="zh-CN" dirty="0" smtClean="0"/>
           </a:p>
           <a:p>
             <a:pPr marL="342900" lvl="1" indent="-342900">
@@ -8287,62 +8310,69 @@
               <a:buChar char="•"/>
             </a:pPr>
             <a:r>
-              <a:rPr lang="zh-CN" altLang="en-US" dirty="0"/>
-              <a:t>非</a:t>
-            </a:r>
-            <a:r>
-              <a:rPr lang="zh-CN" altLang="en-US" dirty="0" smtClean="0"/>
-              <a:t>功能测试</a:t>
+              <a:rPr lang="zh-CN" altLang="en-US" sz="3000" dirty="0" smtClean="0">
+                <a:solidFill>
+                  <a:prstClr val="black"/>
+                </a:solidFill>
+              </a:rPr>
+              <a:t>非功能测试</a:t>
             </a:r>
             <a:endParaRPr lang="en-US" altLang="zh-CN" dirty="0" smtClean="0"/>
           </a:p>
           <a:p>
-            <a:pPr marL="742950" lvl="2" indent="-342900"/>
-            <a:r>
-              <a:rPr lang="zh-CN" altLang="en-US" dirty="0" smtClean="0"/>
-              <a:t>可靠性测试（</a:t>
-            </a:r>
-            <a:r>
-              <a:rPr lang="en-US" altLang="zh-CN" dirty="0" smtClean="0"/>
-              <a:t>1/2</a:t>
-            </a:r>
-            <a:r>
-              <a:rPr lang="zh-CN" altLang="en-US" dirty="0" smtClean="0"/>
-              <a:t>）（</a:t>
-            </a:r>
-            <a:r>
-              <a:rPr lang="en-US" altLang="zh-CN" dirty="0" smtClean="0"/>
-              <a:t>7</a:t>
-            </a:r>
-            <a:r>
-              <a:rPr lang="zh-CN" altLang="en-US" dirty="0" smtClean="0"/>
-              <a:t>*</a:t>
-            </a:r>
-            <a:r>
-              <a:rPr lang="en-US" altLang="zh-CN" dirty="0" smtClean="0"/>
-              <a:t>24</a:t>
-            </a:r>
-            <a:r>
-              <a:rPr lang="zh-CN" altLang="en-US" dirty="0" smtClean="0"/>
-              <a:t>小时还没测完）</a:t>
-            </a:r>
-            <a:endParaRPr lang="en-US" altLang="zh-CN" dirty="0" smtClean="0"/>
-          </a:p>
-          <a:p>
-            <a:pPr marL="742950" lvl="2" indent="-342900"/>
-            <a:r>
-              <a:rPr lang="zh-CN" altLang="en-US" dirty="0" smtClean="0"/>
-              <a:t>性能测试（</a:t>
-            </a:r>
-            <a:r>
-              <a:rPr lang="en-US" altLang="zh-CN" dirty="0" smtClean="0"/>
+            <a:pPr lvl="1"/>
+            <a:r>
+              <a:rPr lang="zh-CN" altLang="en-US" dirty="0" smtClean="0">
+                <a:solidFill>
+                  <a:prstClr val="black"/>
+                </a:solidFill>
+              </a:rPr>
+              <a:t>可靠性</a:t>
+            </a:r>
+            <a:r>
+              <a:rPr lang="zh-CN" altLang="en-US" dirty="0">
+                <a:solidFill>
+                  <a:prstClr val="black"/>
+                </a:solidFill>
+              </a:rPr>
+              <a:t>测试（</a:t>
+            </a:r>
+            <a:r>
+              <a:rPr lang="en-US" altLang="zh-CN" dirty="0">
+                <a:solidFill>
+                  <a:prstClr val="black"/>
+                </a:solidFill>
+              </a:rPr>
+              <a:t>2</a:t>
+            </a:r>
+            <a:r>
+              <a:rPr lang="zh-CN" altLang="en-US" dirty="0" smtClean="0">
+                <a:solidFill>
+                  <a:prstClr val="black"/>
+                </a:solidFill>
+              </a:rPr>
+              <a:t>）</a:t>
+            </a:r>
+          </a:p>
+          <a:p>
+            <a:pPr lvl="1"/>
+            <a:r>
+              <a:rPr lang="zh-CN" altLang="en-US" sz="2800" dirty="0" smtClean="0"/>
+              <a:t>性能</a:t>
+            </a:r>
+            <a:r>
+              <a:rPr lang="zh-CN" altLang="en-US" sz="2800" dirty="0"/>
+              <a:t>测试（</a:t>
+            </a:r>
+            <a:r>
+              <a:rPr lang="en-US" altLang="zh-CN" sz="2800" dirty="0"/>
               <a:t>4</a:t>
             </a:r>
             <a:r>
-              <a:rPr lang="zh-CN" altLang="en-US" dirty="0" smtClean="0"/>
+              <a:rPr lang="zh-CN" altLang="en-US" sz="2800" dirty="0"/>
               <a:t>）</a:t>
             </a:r>
-            <a:endParaRPr lang="en-US" altLang="zh-CN" dirty="0"/>
+            <a:endParaRPr lang="en-US" altLang="zh-CN" sz="2800" dirty="0"/>
           </a:p>
           <a:p>
             <a:endParaRPr lang="en-US" altLang="zh-CN" dirty="0" smtClean="0"/>
@@ -8395,7 +8425,7 @@
         </p:nvSpPr>
         <p:spPr>
           <a:xfrm>
-            <a:off x="4572000" y="3151892"/>
+            <a:off x="4541168" y="2966989"/>
             <a:ext cx="457200" cy="461665"/>
           </a:xfrm>
           <a:prstGeom prst="rect">
@@ -8433,7 +8463,7 @@
         </p:nvSpPr>
         <p:spPr>
           <a:xfrm>
-            <a:off x="4565073" y="3708091"/>
+            <a:off x="4541168" y="3477259"/>
             <a:ext cx="457200" cy="461665"/>
           </a:xfrm>
           <a:prstGeom prst="rect">
@@ -8565,7 +8595,7 @@
         </p:nvSpPr>
         <p:spPr>
           <a:xfrm>
-            <a:off x="3879273" y="4169756"/>
+            <a:off x="3879273" y="3938924"/>
             <a:ext cx="457200" cy="461665"/>
           </a:xfrm>
           <a:prstGeom prst="rect">
@@ -8697,7 +8727,7 @@
         </p:nvSpPr>
         <p:spPr>
           <a:xfrm>
-            <a:off x="3422073" y="6207695"/>
+            <a:off x="3879273" y="5885641"/>
             <a:ext cx="457200" cy="461665"/>
           </a:xfrm>
           <a:prstGeom prst="rect">
@@ -8818,6 +8848,108 @@
                 <a:srgbClr val="FF0000"/>
               </a:solidFill>
             </a:endParaRPr>
+          </a:p>
+        </p:txBody>
+      </p:sp>
+      <p:sp>
+        <p:nvSpPr>
+          <p:cNvPr id="10" name="文本框 9"/>
+          <p:cNvSpPr txBox="1"/>
+          <p:nvPr/>
+        </p:nvSpPr>
+        <p:spPr>
+          <a:xfrm>
+            <a:off x="4793673" y="4447501"/>
+            <a:ext cx="2646878" cy="461665"/>
+          </a:xfrm>
+          <a:prstGeom prst="rect">
+            <a:avLst/>
+          </a:prstGeom>
+        </p:spPr>
+        <p:style>
+          <a:lnRef idx="1">
+            <a:schemeClr val="accent2"/>
+          </a:lnRef>
+          <a:fillRef idx="2">
+            <a:schemeClr val="accent2"/>
+          </a:fillRef>
+          <a:effectRef idx="1">
+            <a:schemeClr val="accent2"/>
+          </a:effectRef>
+          <a:fontRef idx="minor">
+            <a:schemeClr val="dk1"/>
+          </a:fontRef>
+        </p:style>
+        <p:txBody>
+          <a:bodyPr wrap="none" rtlCol="0">
+            <a:spAutoFit/>
+          </a:bodyPr>
+          <a:lstStyle/>
+          <a:p>
+            <a:r>
+              <a:rPr lang="zh-CN" altLang="en-US" sz="2400" smtClean="0"/>
+              <a:t>部分</a:t>
+            </a:r>
+            <a:r>
+              <a:rPr lang="zh-CN" altLang="en-US" sz="2400"/>
+              <a:t>功能没有实现</a:t>
+            </a:r>
+            <a:endParaRPr kumimoji="1" lang="zh-CN" altLang="en-US" sz="2400"/>
+          </a:p>
+        </p:txBody>
+      </p:sp>
+      <p:sp>
+        <p:nvSpPr>
+          <p:cNvPr id="11" name="文本框 10"/>
+          <p:cNvSpPr txBox="1"/>
+          <p:nvPr/>
+        </p:nvSpPr>
+        <p:spPr>
+          <a:xfrm>
+            <a:off x="4004140" y="5339042"/>
+            <a:ext cx="2651688" cy="461665"/>
+          </a:xfrm>
+          <a:prstGeom prst="rect">
+            <a:avLst/>
+          </a:prstGeom>
+        </p:spPr>
+        <p:style>
+          <a:lnRef idx="1">
+            <a:schemeClr val="accent2"/>
+          </a:lnRef>
+          <a:fillRef idx="2">
+            <a:schemeClr val="accent2"/>
+          </a:fillRef>
+          <a:effectRef idx="1">
+            <a:schemeClr val="accent2"/>
+          </a:effectRef>
+          <a:fontRef idx="minor">
+            <a:schemeClr val="dk1"/>
+          </a:fontRef>
+        </p:style>
+        <p:txBody>
+          <a:bodyPr wrap="none" rtlCol="0">
+            <a:spAutoFit/>
+          </a:bodyPr>
+          <a:lstStyle/>
+          <a:p>
+            <a:r>
+              <a:rPr lang="en-US" altLang="zh-CN" sz="2400" dirty="0"/>
+              <a:t>7</a:t>
+            </a:r>
+            <a:r>
+              <a:rPr lang="zh-CN" altLang="en-US" sz="2400" dirty="0"/>
+              <a:t>*</a:t>
+            </a:r>
+            <a:r>
+              <a:rPr lang="en-US" altLang="zh-CN" sz="2400" dirty="0"/>
+              <a:t>24</a:t>
+            </a:r>
+            <a:r>
+              <a:rPr lang="zh-CN" altLang="en-US" sz="2400" dirty="0"/>
+              <a:t>小时还没测完</a:t>
+            </a:r>
+            <a:endParaRPr kumimoji="1" lang="zh-CN" altLang="en-US" sz="2400" dirty="0"/>
           </a:p>
         </p:txBody>
       </p:sp>
@@ -9019,33 +9151,15 @@
                                   </p:childTnLst>
                                 </p:cTn>
                               </p:par>
-                            </p:childTnLst>
-                          </p:cTn>
-                        </p:par>
-                      </p:childTnLst>
-                    </p:cTn>
-                  </p:par>
-                  <p:par>
-                    <p:cTn id="18" fill="hold">
-                      <p:stCondLst>
-                        <p:cond delay="indefinite"/>
-                      </p:stCondLst>
-                      <p:childTnLst>
-                        <p:par>
-                          <p:cTn id="19" fill="hold">
-                            <p:stCondLst>
-                              <p:cond delay="0"/>
-                            </p:stCondLst>
-                            <p:childTnLst>
                               <p:par>
-                                <p:cTn id="20" presetID="10" presetClass="entr" presetSubtype="0" fill="hold" grpId="0" nodeType="clickEffect">
+                                <p:cTn id="18" presetID="10" presetClass="entr" presetSubtype="0" fill="hold" grpId="0" nodeType="withEffect">
                                   <p:stCondLst>
                                     <p:cond delay="0"/>
                                   </p:stCondLst>
                                   <p:childTnLst>
                                     <p:set>
                                       <p:cBhvr>
-                                        <p:cTn id="21" dur="1" fill="hold">
+                                        <p:cTn id="19" dur="1" fill="hold">
                                           <p:stCondLst>
                                             <p:cond delay="0"/>
                                           </p:stCondLst>
@@ -9067,7 +9181,7 @@
                                     </p:set>
                                     <p:animEffect transition="in" filter="fade">
                                       <p:cBhvr>
-                                        <p:cTn id="22" dur="500"/>
+                                        <p:cTn id="20" dur="500"/>
                                         <p:tgtEl>
                                           <p:spTgt spid="3">
                                             <p:txEl>
@@ -9080,33 +9194,15 @@
                                   </p:childTnLst>
                                 </p:cTn>
                               </p:par>
-                            </p:childTnLst>
-                          </p:cTn>
-                        </p:par>
-                      </p:childTnLst>
-                    </p:cTn>
-                  </p:par>
-                  <p:par>
-                    <p:cTn id="23" fill="hold">
-                      <p:stCondLst>
-                        <p:cond delay="indefinite"/>
-                      </p:stCondLst>
-                      <p:childTnLst>
-                        <p:par>
-                          <p:cTn id="24" fill="hold">
-                            <p:stCondLst>
-                              <p:cond delay="0"/>
-                            </p:stCondLst>
-                            <p:childTnLst>
                               <p:par>
-                                <p:cTn id="25" presetID="10" presetClass="entr" presetSubtype="0" fill="hold" grpId="0" nodeType="clickEffect">
+                                <p:cTn id="21" presetID="10" presetClass="entr" presetSubtype="0" fill="hold" grpId="0" nodeType="withEffect">
                                   <p:stCondLst>
                                     <p:cond delay="0"/>
                                   </p:stCondLst>
                                   <p:childTnLst>
                                     <p:set>
                                       <p:cBhvr>
-                                        <p:cTn id="26" dur="1" fill="hold">
+                                        <p:cTn id="22" dur="1" fill="hold">
                                           <p:stCondLst>
                                             <p:cond delay="0"/>
                                           </p:stCondLst>
@@ -9128,7 +9224,7 @@
                                     </p:set>
                                     <p:animEffect transition="in" filter="fade">
                                       <p:cBhvr>
-                                        <p:cTn id="27" dur="500"/>
+                                        <p:cTn id="23" dur="500"/>
                                         <p:tgtEl>
                                           <p:spTgt spid="3">
                                             <p:txEl>
@@ -9148,26 +9244,26 @@
                     </p:cTn>
                   </p:par>
                   <p:par>
-                    <p:cTn id="28" fill="hold">
+                    <p:cTn id="24" fill="hold">
                       <p:stCondLst>
                         <p:cond delay="indefinite"/>
                       </p:stCondLst>
                       <p:childTnLst>
                         <p:par>
-                          <p:cTn id="29" fill="hold">
+                          <p:cTn id="25" fill="hold">
                             <p:stCondLst>
                               <p:cond delay="0"/>
                             </p:stCondLst>
                             <p:childTnLst>
                               <p:par>
-                                <p:cTn id="30" presetID="10" presetClass="entr" presetSubtype="0" fill="hold" grpId="0" nodeType="clickEffect">
+                                <p:cTn id="26" presetID="10" presetClass="entr" presetSubtype="0" fill="hold" grpId="0" nodeType="clickEffect">
                                   <p:stCondLst>
                                     <p:cond delay="0"/>
                                   </p:stCondLst>
                                   <p:childTnLst>
                                     <p:set>
                                       <p:cBhvr>
-                                        <p:cTn id="31" dur="1" fill="hold">
+                                        <p:cTn id="27" dur="1" fill="hold">
                                           <p:stCondLst>
                                             <p:cond delay="0"/>
                                           </p:stCondLst>
@@ -9189,7 +9285,7 @@
                                     </p:set>
                                     <p:animEffect transition="in" filter="fade">
                                       <p:cBhvr>
-                                        <p:cTn id="32" dur="500"/>
+                                        <p:cTn id="28" dur="500"/>
                                         <p:tgtEl>
                                           <p:spTgt spid="3">
                                             <p:txEl>
@@ -9209,26 +9305,26 @@
                     </p:cTn>
                   </p:par>
                   <p:par>
-                    <p:cTn id="33" fill="hold">
+                    <p:cTn id="29" fill="hold">
                       <p:stCondLst>
                         <p:cond delay="indefinite"/>
                       </p:stCondLst>
                       <p:childTnLst>
                         <p:par>
-                          <p:cTn id="34" fill="hold">
+                          <p:cTn id="30" fill="hold">
                             <p:stCondLst>
                               <p:cond delay="0"/>
                             </p:stCondLst>
                             <p:childTnLst>
                               <p:par>
-                                <p:cTn id="35" presetID="10" presetClass="entr" presetSubtype="0" fill="hold" grpId="0" nodeType="clickEffect">
+                                <p:cTn id="31" presetID="10" presetClass="entr" presetSubtype="0" fill="hold" grpId="0" nodeType="clickEffect">
                                   <p:stCondLst>
                                     <p:cond delay="0"/>
                                   </p:stCondLst>
                                   <p:childTnLst>
                                     <p:set>
                                       <p:cBhvr>
-                                        <p:cTn id="36" dur="1" fill="hold">
+                                        <p:cTn id="32" dur="1" fill="hold">
                                           <p:stCondLst>
                                             <p:cond delay="0"/>
                                           </p:stCondLst>
@@ -9250,7 +9346,7 @@
                                     </p:set>
                                     <p:animEffect transition="in" filter="fade">
                                       <p:cBhvr>
-                                        <p:cTn id="37" dur="500"/>
+                                        <p:cTn id="33" dur="500"/>
                                         <p:tgtEl>
                                           <p:spTgt spid="3">
                                             <p:txEl>
@@ -9264,14 +9360,14 @@
                                 </p:cTn>
                               </p:par>
                               <p:par>
-                                <p:cTn id="38" presetID="10" presetClass="entr" presetSubtype="0" fill="hold" grpId="0" nodeType="withEffect">
+                                <p:cTn id="34" presetID="10" presetClass="entr" presetSubtype="0" fill="hold" grpId="0" nodeType="withEffect">
                                   <p:stCondLst>
                                     <p:cond delay="0"/>
                                   </p:stCondLst>
                                   <p:childTnLst>
                                     <p:set>
                                       <p:cBhvr>
-                                        <p:cTn id="39" dur="1" fill="hold">
+                                        <p:cTn id="35" dur="1" fill="hold">
                                           <p:stCondLst>
                                             <p:cond delay="0"/>
                                           </p:stCondLst>
@@ -9293,7 +9389,7 @@
                                     </p:set>
                                     <p:animEffect transition="in" filter="fade">
                                       <p:cBhvr>
-                                        <p:cTn id="40" dur="500"/>
+                                        <p:cTn id="36" dur="500"/>
                                         <p:tgtEl>
                                           <p:spTgt spid="3">
                                             <p:txEl>
@@ -9307,14 +9403,14 @@
                                 </p:cTn>
                               </p:par>
                               <p:par>
-                                <p:cTn id="41" presetID="10" presetClass="entr" presetSubtype="0" fill="hold" grpId="0" nodeType="withEffect">
+                                <p:cTn id="37" presetID="10" presetClass="entr" presetSubtype="0" fill="hold" grpId="0" nodeType="withEffect">
                                   <p:stCondLst>
                                     <p:cond delay="0"/>
                                   </p:stCondLst>
                                   <p:childTnLst>
                                     <p:set>
                                       <p:cBhvr>
-                                        <p:cTn id="42" dur="1" fill="hold">
+                                        <p:cTn id="38" dur="1" fill="hold">
                                           <p:stCondLst>
                                             <p:cond delay="0"/>
                                           </p:stCondLst>
@@ -9336,7 +9432,7 @@
                                     </p:set>
                                     <p:animEffect transition="in" filter="fade">
                                       <p:cBhvr>
-                                        <p:cTn id="43" dur="500"/>
+                                        <p:cTn id="39" dur="500"/>
                                         <p:tgtEl>
                                           <p:spTgt spid="3">
                                             <p:txEl>
@@ -9350,14 +9446,14 @@
                                 </p:cTn>
                               </p:par>
                               <p:par>
-                                <p:cTn id="44" presetID="10" presetClass="entr" presetSubtype="0" fill="hold" grpId="0" nodeType="withEffect">
+                                <p:cTn id="40" presetID="10" presetClass="entr" presetSubtype="0" fill="hold" grpId="0" nodeType="withEffect">
                                   <p:stCondLst>
                                     <p:cond delay="0"/>
                                   </p:stCondLst>
                                   <p:childTnLst>
                                     <p:set>
                                       <p:cBhvr>
-                                        <p:cTn id="45" dur="1" fill="hold">
+                                        <p:cTn id="41" dur="1" fill="hold">
                                           <p:stCondLst>
                                             <p:cond delay="0"/>
                                           </p:stCondLst>
@@ -9379,7 +9475,7 @@
                                     </p:set>
                                     <p:animEffect transition="in" filter="fade">
                                       <p:cBhvr>
-                                        <p:cTn id="46" dur="500"/>
+                                        <p:cTn id="42" dur="500"/>
                                         <p:tgtEl>
                                           <p:spTgt spid="3">
                                             <p:txEl>
@@ -11023,6 +11119,11 @@
           <a:bodyPr/>
           <a:lstStyle/>
           <a:p>
+            <a:pPr>
+              <a:lnSpc>
+                <a:spcPct val="200000"/>
+              </a:lnSpc>
+            </a:pPr>
             <a:r>
               <a:rPr kumimoji="1" lang="zh-CN" altLang="en-US" dirty="0" smtClean="0"/>
               <a:t>对于</a:t>
@@ -11041,7 +11142,34 @@
             </a:r>
             <a:r>
               <a:rPr kumimoji="1" lang="zh-CN" altLang="en-US" dirty="0" smtClean="0"/>
-              <a:t>，后台逻辑没有实现</a:t>
+              <a:t>，后台逻辑没有</a:t>
+            </a:r>
+            <a:r>
+              <a:rPr kumimoji="1" lang="zh-CN" altLang="en-US" dirty="0" smtClean="0"/>
+              <a:t>实现</a:t>
+            </a:r>
+          </a:p>
+          <a:p>
+            <a:pPr>
+              <a:lnSpc>
+                <a:spcPct val="200000"/>
+              </a:lnSpc>
+            </a:pPr>
+            <a:r>
+              <a:rPr kumimoji="1" lang="en-US" altLang="zh-CN" dirty="0" smtClean="0"/>
+              <a:t>7</a:t>
+            </a:r>
+            <a:r>
+              <a:rPr kumimoji="1" lang="zh-CN" altLang="en-US" dirty="0" smtClean="0"/>
+              <a:t>*</a:t>
+            </a:r>
+            <a:r>
+              <a:rPr kumimoji="1" lang="en-US" altLang="zh-CN" dirty="0" smtClean="0"/>
+              <a:t>24</a:t>
+            </a:r>
+            <a:r>
+              <a:rPr kumimoji="1" lang="zh-CN" altLang="en-US" dirty="0" smtClean="0"/>
+              <a:t>小时测试未完成，待补充</a:t>
             </a:r>
             <a:endParaRPr kumimoji="1" lang="zh-CN" altLang="en-US" dirty="0"/>
           </a:p>
@@ -11125,12 +11253,22 @@
           <a:bodyPr/>
           <a:lstStyle/>
           <a:p>
+            <a:pPr>
+              <a:lnSpc>
+                <a:spcPct val="200000"/>
+              </a:lnSpc>
+            </a:pPr>
             <a:r>
               <a:rPr kumimoji="1" lang="zh-CN" altLang="en-US" dirty="0" smtClean="0"/>
               <a:t>符合测试需求中提到的目标</a:t>
             </a:r>
           </a:p>
           <a:p>
+            <a:pPr>
+              <a:lnSpc>
+                <a:spcPct val="200000"/>
+              </a:lnSpc>
+            </a:pPr>
             <a:r>
               <a:rPr kumimoji="1" lang="zh-CN" altLang="en-US" dirty="0" smtClean="0"/>
               <a:t>需求</a:t>
@@ -11153,12 +11291,22 @@
             </a:r>
           </a:p>
           <a:p>
+            <a:pPr>
+              <a:lnSpc>
+                <a:spcPct val="200000"/>
+              </a:lnSpc>
+            </a:pPr>
             <a:r>
               <a:rPr kumimoji="1" lang="zh-CN" altLang="en-US" dirty="0" smtClean="0"/>
               <a:t>测试用例完整详实</a:t>
             </a:r>
           </a:p>
           <a:p>
+            <a:pPr>
+              <a:lnSpc>
+                <a:spcPct val="200000"/>
+              </a:lnSpc>
+            </a:pPr>
             <a:r>
               <a:rPr kumimoji="1" lang="zh-CN" altLang="en-US" dirty="0" smtClean="0"/>
               <a:t>未完整开发的需求，需要修改相应文档</a:t>

--- a/2.项目PPT/第十三周进度.pptx
+++ b/2.项目PPT/第十三周进度.pptx
@@ -6742,6 +6742,13 @@
   <p:clrMapOvr>
     <a:masterClrMapping/>
   </p:clrMapOvr>
+  <p:timing>
+    <p:tnLst>
+      <p:par>
+        <p:cTn id="1" dur="indefinite" restart="never" nodeType="tmRoot"/>
+      </p:par>
+    </p:tnLst>
+  </p:timing>
 </p:sld>
 </file>
 
@@ -8310,47 +8317,27 @@
               <a:buChar char="•"/>
             </a:pPr>
             <a:r>
-              <a:rPr lang="zh-CN" altLang="en-US" sz="3000" dirty="0" smtClean="0">
-                <a:solidFill>
-                  <a:prstClr val="black"/>
-                </a:solidFill>
-              </a:rPr>
+              <a:rPr lang="zh-CN" altLang="en-US" sz="3200" dirty="0"/>
               <a:t>非功能测试</a:t>
             </a:r>
-            <a:endParaRPr lang="en-US" altLang="zh-CN" dirty="0" smtClean="0"/>
+            <a:endParaRPr lang="en-US" altLang="zh-CN" sz="3200" dirty="0"/>
           </a:p>
           <a:p>
             <a:pPr lvl="1"/>
             <a:r>
-              <a:rPr lang="zh-CN" altLang="en-US" dirty="0" smtClean="0">
-                <a:solidFill>
-                  <a:prstClr val="black"/>
-                </a:solidFill>
-              </a:rPr>
+              <a:rPr lang="zh-CN" altLang="en-US" dirty="0"/>
               <a:t>可靠性</a:t>
             </a:r>
             <a:r>
-              <a:rPr lang="zh-CN" altLang="en-US" dirty="0">
-                <a:solidFill>
-                  <a:prstClr val="black"/>
-                </a:solidFill>
-              </a:rPr>
+              <a:rPr lang="zh-CN" altLang="en-US" dirty="0"/>
               <a:t>测试（</a:t>
             </a:r>
             <a:r>
-              <a:rPr lang="en-US" altLang="zh-CN" dirty="0">
-                <a:solidFill>
-                  <a:prstClr val="black"/>
-                </a:solidFill>
-              </a:rPr>
+              <a:rPr lang="en-US" altLang="zh-CN" dirty="0"/>
               <a:t>2</a:t>
             </a:r>
             <a:r>
-              <a:rPr lang="zh-CN" altLang="en-US" dirty="0" smtClean="0">
-                <a:solidFill>
-                  <a:prstClr val="black"/>
-                </a:solidFill>
-              </a:rPr>
+              <a:rPr lang="zh-CN" altLang="en-US" dirty="0"/>
               <a:t>）</a:t>
             </a:r>
           </a:p>
@@ -8887,14 +8874,14 @@
           <a:lstStyle/>
           <a:p>
             <a:r>
-              <a:rPr lang="zh-CN" altLang="en-US" sz="2400" smtClean="0"/>
+              <a:rPr lang="zh-CN" altLang="en-US" sz="2400" dirty="0" smtClean="0"/>
               <a:t>部分</a:t>
             </a:r>
             <a:r>
-              <a:rPr lang="zh-CN" altLang="en-US" sz="2400"/>
+              <a:rPr lang="zh-CN" altLang="en-US" sz="2400" dirty="0"/>
               <a:t>功能没有实现</a:t>
             </a:r>
-            <a:endParaRPr kumimoji="1" lang="zh-CN" altLang="en-US" sz="2400"/>
+            <a:endParaRPr kumimoji="1" lang="zh-CN" altLang="en-US" sz="2400" dirty="0"/>
           </a:p>
         </p:txBody>
       </p:sp>
@@ -8987,7 +8974,539 @@
                             </p:stCondLst>
                             <p:childTnLst>
                               <p:par>
-                                <p:cTn id="5" presetID="10" presetClass="entr" presetSubtype="0" fill="hold" grpId="0" nodeType="clickEffect">
+                                <p:cTn id="5" presetID="1" presetClass="entr" presetSubtype="0" fill="hold" grpId="0" nodeType="clickEffect">
+                                  <p:stCondLst>
+                                    <p:cond delay="0"/>
+                                  </p:stCondLst>
+                                  <p:childTnLst>
+                                    <p:set>
+                                      <p:cBhvr>
+                                        <p:cTn id="6" dur="1" fill="hold">
+                                          <p:stCondLst>
+                                            <p:cond delay="0"/>
+                                          </p:stCondLst>
+                                        </p:cTn>
+                                        <p:tgtEl>
+                                          <p:spTgt spid="4"/>
+                                        </p:tgtEl>
+                                        <p:attrNameLst>
+                                          <p:attrName>style.visibility</p:attrName>
+                                        </p:attrNameLst>
+                                      </p:cBhvr>
+                                      <p:to>
+                                        <p:strVal val="visible"/>
+                                      </p:to>
+                                    </p:set>
+                                  </p:childTnLst>
+                                </p:cTn>
+                              </p:par>
+                            </p:childTnLst>
+                          </p:cTn>
+                        </p:par>
+                      </p:childTnLst>
+                    </p:cTn>
+                  </p:par>
+                  <p:par>
+                    <p:cTn id="7" fill="hold">
+                      <p:stCondLst>
+                        <p:cond delay="indefinite"/>
+                      </p:stCondLst>
+                      <p:childTnLst>
+                        <p:par>
+                          <p:cTn id="8" fill="hold">
+                            <p:stCondLst>
+                              <p:cond delay="0"/>
+                            </p:stCondLst>
+                            <p:childTnLst>
+                              <p:par>
+                                <p:cTn id="9" presetID="1" presetClass="entr" presetSubtype="0" fill="hold" grpId="0" nodeType="clickEffect">
+                                  <p:stCondLst>
+                                    <p:cond delay="0"/>
+                                  </p:stCondLst>
+                                  <p:childTnLst>
+                                    <p:set>
+                                      <p:cBhvr>
+                                        <p:cTn id="10" dur="1" fill="hold">
+                                          <p:stCondLst>
+                                            <p:cond delay="0"/>
+                                          </p:stCondLst>
+                                        </p:cTn>
+                                        <p:tgtEl>
+                                          <p:spTgt spid="5"/>
+                                        </p:tgtEl>
+                                        <p:attrNameLst>
+                                          <p:attrName>style.visibility</p:attrName>
+                                        </p:attrNameLst>
+                                      </p:cBhvr>
+                                      <p:to>
+                                        <p:strVal val="visible"/>
+                                      </p:to>
+                                    </p:set>
+                                  </p:childTnLst>
+                                </p:cTn>
+                              </p:par>
+                            </p:childTnLst>
+                          </p:cTn>
+                        </p:par>
+                      </p:childTnLst>
+                    </p:cTn>
+                  </p:par>
+                  <p:par>
+                    <p:cTn id="11" fill="hold">
+                      <p:stCondLst>
+                        <p:cond delay="indefinite"/>
+                      </p:stCondLst>
+                      <p:childTnLst>
+                        <p:par>
+                          <p:cTn id="12" fill="hold">
+                            <p:stCondLst>
+                              <p:cond delay="0"/>
+                            </p:stCondLst>
+                            <p:childTnLst>
+                              <p:par>
+                                <p:cTn id="13" presetID="1" presetClass="entr" presetSubtype="0" fill="hold" grpId="0" nodeType="clickEffect">
+                                  <p:stCondLst>
+                                    <p:cond delay="0"/>
+                                  </p:stCondLst>
+                                  <p:childTnLst>
+                                    <p:set>
+                                      <p:cBhvr>
+                                        <p:cTn id="14" dur="1" fill="hold">
+                                          <p:stCondLst>
+                                            <p:cond delay="0"/>
+                                          </p:stCondLst>
+                                        </p:cTn>
+                                        <p:tgtEl>
+                                          <p:spTgt spid="6"/>
+                                        </p:tgtEl>
+                                        <p:attrNameLst>
+                                          <p:attrName>style.visibility</p:attrName>
+                                        </p:attrNameLst>
+                                      </p:cBhvr>
+                                      <p:to>
+                                        <p:strVal val="visible"/>
+                                      </p:to>
+                                    </p:set>
+                                  </p:childTnLst>
+                                </p:cTn>
+                              </p:par>
+                            </p:childTnLst>
+                          </p:cTn>
+                        </p:par>
+                      </p:childTnLst>
+                    </p:cTn>
+                  </p:par>
+                  <p:par>
+                    <p:cTn id="15" fill="hold">
+                      <p:stCondLst>
+                        <p:cond delay="indefinite"/>
+                      </p:stCondLst>
+                      <p:childTnLst>
+                        <p:par>
+                          <p:cTn id="16" fill="hold">
+                            <p:stCondLst>
+                              <p:cond delay="0"/>
+                            </p:stCondLst>
+                            <p:childTnLst>
+                              <p:par>
+                                <p:cTn id="17" presetID="1" presetClass="entr" presetSubtype="0" fill="hold" grpId="0" nodeType="clickEffect">
+                                  <p:stCondLst>
+                                    <p:cond delay="0"/>
+                                  </p:stCondLst>
+                                  <p:childTnLst>
+                                    <p:set>
+                                      <p:cBhvr>
+                                        <p:cTn id="18" dur="1" fill="hold">
+                                          <p:stCondLst>
+                                            <p:cond delay="0"/>
+                                          </p:stCondLst>
+                                        </p:cTn>
+                                        <p:tgtEl>
+                                          <p:spTgt spid="7"/>
+                                        </p:tgtEl>
+                                        <p:attrNameLst>
+                                          <p:attrName>style.visibility</p:attrName>
+                                        </p:attrNameLst>
+                                      </p:cBhvr>
+                                      <p:to>
+                                        <p:strVal val="visible"/>
+                                      </p:to>
+                                    </p:set>
+                                  </p:childTnLst>
+                                </p:cTn>
+                              </p:par>
+                            </p:childTnLst>
+                          </p:cTn>
+                        </p:par>
+                      </p:childTnLst>
+                    </p:cTn>
+                  </p:par>
+                  <p:par>
+                    <p:cTn id="19" fill="hold">
+                      <p:stCondLst>
+                        <p:cond delay="indefinite"/>
+                      </p:stCondLst>
+                      <p:childTnLst>
+                        <p:par>
+                          <p:cTn id="20" fill="hold">
+                            <p:stCondLst>
+                              <p:cond delay="0"/>
+                            </p:stCondLst>
+                            <p:childTnLst>
+                              <p:par>
+                                <p:cTn id="21" presetID="1" presetClass="entr" presetSubtype="0" fill="hold" grpId="0" nodeType="clickEffect">
+                                  <p:stCondLst>
+                                    <p:cond delay="0"/>
+                                  </p:stCondLst>
+                                  <p:childTnLst>
+                                    <p:set>
+                                      <p:cBhvr>
+                                        <p:cTn id="22" dur="1" fill="hold">
+                                          <p:stCondLst>
+                                            <p:cond delay="0"/>
+                                          </p:stCondLst>
+                                        </p:cTn>
+                                        <p:tgtEl>
+                                          <p:spTgt spid="10"/>
+                                        </p:tgtEl>
+                                        <p:attrNameLst>
+                                          <p:attrName>style.visibility</p:attrName>
+                                        </p:attrNameLst>
+                                      </p:cBhvr>
+                                      <p:to>
+                                        <p:strVal val="visible"/>
+                                      </p:to>
+                                    </p:set>
+                                  </p:childTnLst>
+                                </p:cTn>
+                              </p:par>
+                            </p:childTnLst>
+                          </p:cTn>
+                        </p:par>
+                      </p:childTnLst>
+                    </p:cTn>
+                  </p:par>
+                  <p:par>
+                    <p:cTn id="23" fill="hold">
+                      <p:stCondLst>
+                        <p:cond delay="indefinite"/>
+                      </p:stCondLst>
+                      <p:childTnLst>
+                        <p:par>
+                          <p:cTn id="24" fill="hold">
+                            <p:stCondLst>
+                              <p:cond delay="0"/>
+                            </p:stCondLst>
+                            <p:childTnLst>
+                              <p:par>
+                                <p:cTn id="25" presetID="1" presetClass="entr" presetSubtype="0" fill="hold" grpId="0" nodeType="clickEffect">
+                                  <p:stCondLst>
+                                    <p:cond delay="0"/>
+                                  </p:stCondLst>
+                                  <p:childTnLst>
+                                    <p:set>
+                                      <p:cBhvr>
+                                        <p:cTn id="26" dur="1" fill="hold">
+                                          <p:stCondLst>
+                                            <p:cond delay="0"/>
+                                          </p:stCondLst>
+                                        </p:cTn>
+                                        <p:tgtEl>
+                                          <p:spTgt spid="11"/>
+                                        </p:tgtEl>
+                                        <p:attrNameLst>
+                                          <p:attrName>style.visibility</p:attrName>
+                                        </p:attrNameLst>
+                                      </p:cBhvr>
+                                      <p:to>
+                                        <p:strVal val="visible"/>
+                                      </p:to>
+                                    </p:set>
+                                  </p:childTnLst>
+                                </p:cTn>
+                              </p:par>
+                            </p:childTnLst>
+                          </p:cTn>
+                        </p:par>
+                      </p:childTnLst>
+                    </p:cTn>
+                  </p:par>
+                  <p:par>
+                    <p:cTn id="27" fill="hold">
+                      <p:stCondLst>
+                        <p:cond delay="indefinite"/>
+                      </p:stCondLst>
+                      <p:childTnLst>
+                        <p:par>
+                          <p:cTn id="28" fill="hold">
+                            <p:stCondLst>
+                              <p:cond delay="0"/>
+                            </p:stCondLst>
+                            <p:childTnLst>
+                              <p:par>
+                                <p:cTn id="29" presetID="1" presetClass="entr" presetSubtype="0" fill="hold" grpId="0" nodeType="clickEffect">
+                                  <p:stCondLst>
+                                    <p:cond delay="0"/>
+                                  </p:stCondLst>
+                                  <p:childTnLst>
+                                    <p:set>
+                                      <p:cBhvr>
+                                        <p:cTn id="30" dur="1" fill="hold">
+                                          <p:stCondLst>
+                                            <p:cond delay="0"/>
+                                          </p:stCondLst>
+                                        </p:cTn>
+                                        <p:tgtEl>
+                                          <p:spTgt spid="8"/>
+                                        </p:tgtEl>
+                                        <p:attrNameLst>
+                                          <p:attrName>style.visibility</p:attrName>
+                                        </p:attrNameLst>
+                                      </p:cBhvr>
+                                      <p:to>
+                                        <p:strVal val="visible"/>
+                                      </p:to>
+                                    </p:set>
+                                  </p:childTnLst>
+                                </p:cTn>
+                              </p:par>
+                            </p:childTnLst>
+                          </p:cTn>
+                        </p:par>
+                      </p:childTnLst>
+                    </p:cTn>
+                  </p:par>
+                </p:childTnLst>
+              </p:cTn>
+              <p:prevCondLst>
+                <p:cond evt="onPrev" delay="0">
+                  <p:tgtEl>
+                    <p:sldTgt/>
+                  </p:tgtEl>
+                </p:cond>
+              </p:prevCondLst>
+              <p:nextCondLst>
+                <p:cond evt="onNext" delay="0">
+                  <p:tgtEl>
+                    <p:sldTgt/>
+                  </p:tgtEl>
+                </p:cond>
+              </p:nextCondLst>
+            </p:seq>
+          </p:childTnLst>
+        </p:cTn>
+      </p:par>
+    </p:tnLst>
+    <p:bldLst>
+      <p:bldP spid="4" grpId="0"/>
+      <p:bldP spid="5" grpId="0"/>
+      <p:bldP spid="6" grpId="0"/>
+      <p:bldP spid="7" grpId="0"/>
+      <p:bldP spid="8" grpId="0"/>
+      <p:bldP spid="10" grpId="0" animBg="1"/>
+      <p:bldP spid="11" grpId="0" animBg="1"/>
+    </p:bldLst>
+  </p:timing>
+</p:sld>
+</file>
+
+<file path=ppt/slides/slide5.xml><?xml version="1.0" encoding="utf-8"?>
+<p:sld xmlns:a="http://schemas.openxmlformats.org/drawingml/2006/main" xmlns:r="http://schemas.openxmlformats.org/officeDocument/2006/relationships" xmlns:p="http://schemas.openxmlformats.org/presentationml/2006/main">
+  <p:cSld>
+    <p:spTree>
+      <p:nvGrpSpPr>
+        <p:cNvPr id="1" name=""/>
+        <p:cNvGrpSpPr/>
+        <p:nvPr/>
+      </p:nvGrpSpPr>
+      <p:grpSpPr>
+        <a:xfrm>
+          <a:off x="0" y="0"/>
+          <a:ext cx="0" cy="0"/>
+          <a:chOff x="0" y="0"/>
+          <a:chExt cx="0" cy="0"/>
+        </a:xfrm>
+      </p:grpSpPr>
+      <p:sp>
+        <p:nvSpPr>
+          <p:cNvPr id="2" name="标题 1"/>
+          <p:cNvSpPr>
+            <a:spLocks noGrp="1"/>
+          </p:cNvSpPr>
+          <p:nvPr>
+            <p:ph type="title"/>
+          </p:nvPr>
+        </p:nvSpPr>
+        <p:spPr/>
+        <p:txBody>
+          <a:bodyPr/>
+          <a:lstStyle/>
+          <a:p>
+            <a:r>
+              <a:rPr lang="zh-CN" altLang="en-US" dirty="0" smtClean="0"/>
+              <a:t>性能测试结果</a:t>
+            </a:r>
+            <a:endParaRPr lang="zh-CN" altLang="en-US" dirty="0"/>
+          </a:p>
+        </p:txBody>
+      </p:sp>
+      <p:sp>
+        <p:nvSpPr>
+          <p:cNvPr id="3" name="内容占位符 2"/>
+          <p:cNvSpPr>
+            <a:spLocks noGrp="1"/>
+          </p:cNvSpPr>
+          <p:nvPr>
+            <p:ph idx="1"/>
+          </p:nvPr>
+        </p:nvSpPr>
+        <p:spPr/>
+        <p:txBody>
+          <a:bodyPr/>
+          <a:lstStyle/>
+          <a:p>
+            <a:r>
+              <a:rPr lang="zh-CN" altLang="en-US" dirty="0" smtClean="0"/>
+              <a:t>脚本与文件：</a:t>
+            </a:r>
+            <a:r>
+              <a:rPr lang="en-US" altLang="zh-CN" dirty="0"/>
+              <a:t>16TeamC/3.</a:t>
+            </a:r>
+            <a:r>
+              <a:rPr lang="zh-CN" altLang="en-US" dirty="0"/>
+              <a:t>项目提交文档</a:t>
+            </a:r>
+            <a:r>
+              <a:rPr lang="en-US" altLang="zh-CN" dirty="0"/>
+              <a:t>/3.4</a:t>
+            </a:r>
+            <a:r>
+              <a:rPr lang="zh-CN" altLang="en-US" dirty="0"/>
+              <a:t>测试报告</a:t>
+            </a:r>
+            <a:r>
+              <a:rPr lang="en-US" altLang="zh-CN" dirty="0"/>
+              <a:t>/</a:t>
+            </a:r>
+            <a:r>
+              <a:rPr lang="en-US" altLang="zh-CN" dirty="0" err="1" smtClean="0"/>
+              <a:t>test_script</a:t>
+            </a:r>
+            <a:endParaRPr lang="en-US" altLang="zh-CN" dirty="0"/>
+          </a:p>
+          <a:p>
+            <a:r>
+              <a:rPr lang="zh-CN" altLang="en-US" dirty="0" smtClean="0"/>
+              <a:t>响应时间：</a:t>
+            </a:r>
+            <a:endParaRPr lang="en-US" altLang="zh-CN" dirty="0" smtClean="0"/>
+          </a:p>
+          <a:p>
+            <a:pPr lvl="1"/>
+            <a:r>
+              <a:rPr lang="en-US" altLang="zh-CN" dirty="0" err="1" smtClean="0"/>
+              <a:t>nginx</a:t>
+            </a:r>
+            <a:r>
+              <a:rPr lang="zh-CN" altLang="en-US" dirty="0"/>
+              <a:t>比</a:t>
+            </a:r>
+            <a:r>
+              <a:rPr lang="en-US" altLang="zh-CN" dirty="0" smtClean="0"/>
+              <a:t>apache</a:t>
+            </a:r>
+            <a:r>
+              <a:rPr lang="zh-CN" altLang="en-US" dirty="0" smtClean="0"/>
+              <a:t>快一倍：</a:t>
+            </a:r>
+            <a:r>
+              <a:rPr lang="en-US" altLang="zh-CN" dirty="0" smtClean="0"/>
+              <a:t>1494192:743442 pages/min</a:t>
+            </a:r>
+          </a:p>
+          <a:p>
+            <a:r>
+              <a:rPr lang="zh-CN" altLang="en-US" dirty="0"/>
+              <a:t>大</a:t>
+            </a:r>
+            <a:r>
+              <a:rPr lang="zh-CN" altLang="en-US" dirty="0" smtClean="0"/>
+              <a:t>文件测试：</a:t>
+            </a:r>
+            <a:endParaRPr lang="en-US" altLang="zh-CN" dirty="0" smtClean="0"/>
+          </a:p>
+          <a:p>
+            <a:pPr lvl="1"/>
+            <a:r>
+              <a:rPr lang="en-US" altLang="zh-CN" dirty="0" err="1" smtClean="0"/>
+              <a:t>Nginx</a:t>
+            </a:r>
+            <a:r>
+              <a:rPr lang="zh-CN" altLang="en-US" dirty="0" smtClean="0"/>
+              <a:t>比</a:t>
+            </a:r>
+            <a:r>
+              <a:rPr lang="en-US" altLang="zh-CN" dirty="0" smtClean="0"/>
+              <a:t>apache</a:t>
+            </a:r>
+            <a:r>
+              <a:rPr lang="zh-CN" altLang="en-US" dirty="0" smtClean="0"/>
+              <a:t>稍快（</a:t>
+            </a:r>
+            <a:r>
+              <a:rPr lang="en-US" altLang="zh-CN" dirty="0" smtClean="0"/>
+              <a:t>30M</a:t>
+            </a:r>
+            <a:r>
+              <a:rPr lang="zh-CN" altLang="en-US" dirty="0" smtClean="0"/>
+              <a:t>文件）：</a:t>
+            </a:r>
+            <a:r>
+              <a:rPr lang="en-US" altLang="zh-CN" dirty="0" smtClean="0"/>
+              <a:t>61836:55666 pages/min</a:t>
+            </a:r>
+          </a:p>
+          <a:p>
+            <a:endParaRPr lang="en-US" altLang="zh-CN" dirty="0" smtClean="0"/>
+          </a:p>
+        </p:txBody>
+      </p:sp>
+    </p:spTree>
+    <p:extLst>
+      <p:ext uri="{BB962C8B-B14F-4D97-AF65-F5344CB8AC3E}">
+        <p14:creationId xmlns:p14="http://schemas.microsoft.com/office/powerpoint/2010/main" val="2489531834"/>
+      </p:ext>
+    </p:extLst>
+  </p:cSld>
+  <p:clrMapOvr>
+    <a:masterClrMapping/>
+  </p:clrMapOvr>
+  <p:transition spd="slow">
+    <p:push dir="u"/>
+  </p:transition>
+  <p:timing>
+    <p:tnLst>
+      <p:par>
+        <p:cTn id="1" dur="indefinite" restart="never" nodeType="tmRoot">
+          <p:childTnLst>
+            <p:seq concurrent="1" nextAc="seek">
+              <p:cTn id="2" dur="indefinite" nodeType="mainSeq">
+                <p:childTnLst>
+                  <p:par>
+                    <p:cTn id="3" fill="hold">
+                      <p:stCondLst>
+                        <p:cond delay="indefinite"/>
+                      </p:stCondLst>
+                      <p:childTnLst>
+                        <p:par>
+                          <p:cTn id="4" fill="hold">
+                            <p:stCondLst>
+                              <p:cond delay="0"/>
+                            </p:stCondLst>
+                            <p:childTnLst>
+                              <p:par>
+                                <p:cTn id="5" presetID="1" presetClass="entr" presetSubtype="0" fill="hold" grpId="0" nodeType="clickEffect">
                                   <p:stCondLst>
                                     <p:cond delay="0"/>
                                   </p:stCondLst>
@@ -9014,18 +9533,6 @@
                                         <p:strVal val="visible"/>
                                       </p:to>
                                     </p:set>
-                                    <p:animEffect transition="in" filter="fade">
-                                      <p:cBhvr>
-                                        <p:cTn id="7" dur="500"/>
-                                        <p:tgtEl>
-                                          <p:spTgt spid="3">
-                                            <p:txEl>
-                                              <p:pRg st="0" end="0"/>
-                                            </p:txEl>
-                                          </p:spTgt>
-                                        </p:tgtEl>
-                                      </p:cBhvr>
-                                    </p:animEffect>
                                   </p:childTnLst>
                                 </p:cTn>
                               </p:par>
@@ -9036,26 +9543,26 @@
                     </p:cTn>
                   </p:par>
                   <p:par>
-                    <p:cTn id="8" fill="hold">
+                    <p:cTn id="7" fill="hold">
                       <p:stCondLst>
                         <p:cond delay="indefinite"/>
                       </p:stCondLst>
                       <p:childTnLst>
                         <p:par>
-                          <p:cTn id="9" fill="hold">
+                          <p:cTn id="8" fill="hold">
                             <p:stCondLst>
                               <p:cond delay="0"/>
                             </p:stCondLst>
                             <p:childTnLst>
                               <p:par>
-                                <p:cTn id="10" presetID="10" presetClass="entr" presetSubtype="0" fill="hold" grpId="0" nodeType="clickEffect">
+                                <p:cTn id="9" presetID="1" presetClass="entr" presetSubtype="0" fill="hold" grpId="0" nodeType="clickEffect">
                                   <p:stCondLst>
                                     <p:cond delay="0"/>
                                   </p:stCondLst>
                                   <p:childTnLst>
                                     <p:set>
                                       <p:cBhvr>
-                                        <p:cTn id="11" dur="1" fill="hold">
+                                        <p:cTn id="10" dur="1" fill="hold">
                                           <p:stCondLst>
                                             <p:cond delay="0"/>
                                           </p:stCondLst>
@@ -9075,18 +9582,37 @@
                                         <p:strVal val="visible"/>
                                       </p:to>
                                     </p:set>
-                                    <p:animEffect transition="in" filter="fade">
+                                  </p:childTnLst>
+                                </p:cTn>
+                              </p:par>
+                              <p:par>
+                                <p:cTn id="11" presetID="1" presetClass="entr" presetSubtype="0" fill="hold" grpId="0" nodeType="withEffect">
+                                  <p:stCondLst>
+                                    <p:cond delay="0"/>
+                                  </p:stCondLst>
+                                  <p:childTnLst>
+                                    <p:set>
                                       <p:cBhvr>
-                                        <p:cTn id="12" dur="500"/>
+                                        <p:cTn id="12" dur="1" fill="hold">
+                                          <p:stCondLst>
+                                            <p:cond delay="0"/>
+                                          </p:stCondLst>
+                                        </p:cTn>
                                         <p:tgtEl>
                                           <p:spTgt spid="3">
                                             <p:txEl>
-                                              <p:pRg st="1" end="1"/>
+                                              <p:pRg st="2" end="2"/>
                                             </p:txEl>
                                           </p:spTgt>
                                         </p:tgtEl>
+                                        <p:attrNameLst>
+                                          <p:attrName>style.visibility</p:attrName>
+                                        </p:attrNameLst>
                                       </p:cBhvr>
-                                    </p:animEffect>
+                                      <p:to>
+                                        <p:strVal val="visible"/>
+                                      </p:to>
+                                    </p:set>
                                   </p:childTnLst>
                                 </p:cTn>
                               </p:par>
@@ -9109,7 +9635,7 @@
                             </p:stCondLst>
                             <p:childTnLst>
                               <p:par>
-                                <p:cTn id="15" presetID="10" presetClass="entr" presetSubtype="0" fill="hold" grpId="0" nodeType="clickEffect">
+                                <p:cTn id="15" presetID="1" presetClass="entr" presetSubtype="0" fill="hold" grpId="0" nodeType="clickEffect">
                                   <p:stCondLst>
                                     <p:cond delay="0"/>
                                   </p:stCondLst>
@@ -9117,49 +9643,6 @@
                                     <p:set>
                                       <p:cBhvr>
                                         <p:cTn id="16" dur="1" fill="hold">
-                                          <p:stCondLst>
-                                            <p:cond delay="0"/>
-                                          </p:stCondLst>
-                                        </p:cTn>
-                                        <p:tgtEl>
-                                          <p:spTgt spid="3">
-                                            <p:txEl>
-                                              <p:pRg st="2" end="2"/>
-                                            </p:txEl>
-                                          </p:spTgt>
-                                        </p:tgtEl>
-                                        <p:attrNameLst>
-                                          <p:attrName>style.visibility</p:attrName>
-                                        </p:attrNameLst>
-                                      </p:cBhvr>
-                                      <p:to>
-                                        <p:strVal val="visible"/>
-                                      </p:to>
-                                    </p:set>
-                                    <p:animEffect transition="in" filter="fade">
-                                      <p:cBhvr>
-                                        <p:cTn id="17" dur="500"/>
-                                        <p:tgtEl>
-                                          <p:spTgt spid="3">
-                                            <p:txEl>
-                                              <p:pRg st="2" end="2"/>
-                                            </p:txEl>
-                                          </p:spTgt>
-                                        </p:tgtEl>
-                                      </p:cBhvr>
-                                    </p:animEffect>
-                                  </p:childTnLst>
-                                </p:cTn>
-                              </p:par>
-                              <p:par>
-                                <p:cTn id="18" presetID="10" presetClass="entr" presetSubtype="0" fill="hold" grpId="0" nodeType="withEffect">
-                                  <p:stCondLst>
-                                    <p:cond delay="0"/>
-                                  </p:stCondLst>
-                                  <p:childTnLst>
-                                    <p:set>
-                                      <p:cBhvr>
-                                        <p:cTn id="19" dur="1" fill="hold">
                                           <p:stCondLst>
                                             <p:cond delay="0"/>
                                           </p:stCondLst>
@@ -9179,30 +9662,18 @@
                                         <p:strVal val="visible"/>
                                       </p:to>
                                     </p:set>
-                                    <p:animEffect transition="in" filter="fade">
-                                      <p:cBhvr>
-                                        <p:cTn id="20" dur="500"/>
-                                        <p:tgtEl>
-                                          <p:spTgt spid="3">
-                                            <p:txEl>
-                                              <p:pRg st="3" end="3"/>
-                                            </p:txEl>
-                                          </p:spTgt>
-                                        </p:tgtEl>
-                                      </p:cBhvr>
-                                    </p:animEffect>
                                   </p:childTnLst>
                                 </p:cTn>
                               </p:par>
                               <p:par>
-                                <p:cTn id="21" presetID="10" presetClass="entr" presetSubtype="0" fill="hold" grpId="0" nodeType="withEffect">
+                                <p:cTn id="17" presetID="1" presetClass="entr" presetSubtype="0" fill="hold" grpId="0" nodeType="withEffect">
                                   <p:stCondLst>
                                     <p:cond delay="0"/>
                                   </p:stCondLst>
                                   <p:childTnLst>
                                     <p:set>
                                       <p:cBhvr>
-                                        <p:cTn id="22" dur="1" fill="hold">
+                                        <p:cTn id="18" dur="1" fill="hold">
                                           <p:stCondLst>
                                             <p:cond delay="0"/>
                                           </p:stCondLst>
@@ -9222,269 +9693,6 @@
                                         <p:strVal val="visible"/>
                                       </p:to>
                                     </p:set>
-                                    <p:animEffect transition="in" filter="fade">
-                                      <p:cBhvr>
-                                        <p:cTn id="23" dur="500"/>
-                                        <p:tgtEl>
-                                          <p:spTgt spid="3">
-                                            <p:txEl>
-                                              <p:pRg st="4" end="4"/>
-                                            </p:txEl>
-                                          </p:spTgt>
-                                        </p:tgtEl>
-                                      </p:cBhvr>
-                                    </p:animEffect>
-                                  </p:childTnLst>
-                                </p:cTn>
-                              </p:par>
-                            </p:childTnLst>
-                          </p:cTn>
-                        </p:par>
-                      </p:childTnLst>
-                    </p:cTn>
-                  </p:par>
-                  <p:par>
-                    <p:cTn id="24" fill="hold">
-                      <p:stCondLst>
-                        <p:cond delay="indefinite"/>
-                      </p:stCondLst>
-                      <p:childTnLst>
-                        <p:par>
-                          <p:cTn id="25" fill="hold">
-                            <p:stCondLst>
-                              <p:cond delay="0"/>
-                            </p:stCondLst>
-                            <p:childTnLst>
-                              <p:par>
-                                <p:cTn id="26" presetID="10" presetClass="entr" presetSubtype="0" fill="hold" grpId="0" nodeType="clickEffect">
-                                  <p:stCondLst>
-                                    <p:cond delay="0"/>
-                                  </p:stCondLst>
-                                  <p:childTnLst>
-                                    <p:set>
-                                      <p:cBhvr>
-                                        <p:cTn id="27" dur="1" fill="hold">
-                                          <p:stCondLst>
-                                            <p:cond delay="0"/>
-                                          </p:stCondLst>
-                                        </p:cTn>
-                                        <p:tgtEl>
-                                          <p:spTgt spid="3">
-                                            <p:txEl>
-                                              <p:pRg st="5" end="5"/>
-                                            </p:txEl>
-                                          </p:spTgt>
-                                        </p:tgtEl>
-                                        <p:attrNameLst>
-                                          <p:attrName>style.visibility</p:attrName>
-                                        </p:attrNameLst>
-                                      </p:cBhvr>
-                                      <p:to>
-                                        <p:strVal val="visible"/>
-                                      </p:to>
-                                    </p:set>
-                                    <p:animEffect transition="in" filter="fade">
-                                      <p:cBhvr>
-                                        <p:cTn id="28" dur="500"/>
-                                        <p:tgtEl>
-                                          <p:spTgt spid="3">
-                                            <p:txEl>
-                                              <p:pRg st="5" end="5"/>
-                                            </p:txEl>
-                                          </p:spTgt>
-                                        </p:tgtEl>
-                                      </p:cBhvr>
-                                    </p:animEffect>
-                                  </p:childTnLst>
-                                </p:cTn>
-                              </p:par>
-                            </p:childTnLst>
-                          </p:cTn>
-                        </p:par>
-                      </p:childTnLst>
-                    </p:cTn>
-                  </p:par>
-                  <p:par>
-                    <p:cTn id="29" fill="hold">
-                      <p:stCondLst>
-                        <p:cond delay="indefinite"/>
-                      </p:stCondLst>
-                      <p:childTnLst>
-                        <p:par>
-                          <p:cTn id="30" fill="hold">
-                            <p:stCondLst>
-                              <p:cond delay="0"/>
-                            </p:stCondLst>
-                            <p:childTnLst>
-                              <p:par>
-                                <p:cTn id="31" presetID="10" presetClass="entr" presetSubtype="0" fill="hold" grpId="0" nodeType="clickEffect">
-                                  <p:stCondLst>
-                                    <p:cond delay="0"/>
-                                  </p:stCondLst>
-                                  <p:childTnLst>
-                                    <p:set>
-                                      <p:cBhvr>
-                                        <p:cTn id="32" dur="1" fill="hold">
-                                          <p:stCondLst>
-                                            <p:cond delay="0"/>
-                                          </p:stCondLst>
-                                        </p:cTn>
-                                        <p:tgtEl>
-                                          <p:spTgt spid="3">
-                                            <p:txEl>
-                                              <p:pRg st="6" end="6"/>
-                                            </p:txEl>
-                                          </p:spTgt>
-                                        </p:tgtEl>
-                                        <p:attrNameLst>
-                                          <p:attrName>style.visibility</p:attrName>
-                                        </p:attrNameLst>
-                                      </p:cBhvr>
-                                      <p:to>
-                                        <p:strVal val="visible"/>
-                                      </p:to>
-                                    </p:set>
-                                    <p:animEffect transition="in" filter="fade">
-                                      <p:cBhvr>
-                                        <p:cTn id="33" dur="500"/>
-                                        <p:tgtEl>
-                                          <p:spTgt spid="3">
-                                            <p:txEl>
-                                              <p:pRg st="6" end="6"/>
-                                            </p:txEl>
-                                          </p:spTgt>
-                                        </p:tgtEl>
-                                      </p:cBhvr>
-                                    </p:animEffect>
-                                  </p:childTnLst>
-                                </p:cTn>
-                              </p:par>
-                              <p:par>
-                                <p:cTn id="34" presetID="10" presetClass="entr" presetSubtype="0" fill="hold" grpId="0" nodeType="withEffect">
-                                  <p:stCondLst>
-                                    <p:cond delay="0"/>
-                                  </p:stCondLst>
-                                  <p:childTnLst>
-                                    <p:set>
-                                      <p:cBhvr>
-                                        <p:cTn id="35" dur="1" fill="hold">
-                                          <p:stCondLst>
-                                            <p:cond delay="0"/>
-                                          </p:stCondLst>
-                                        </p:cTn>
-                                        <p:tgtEl>
-                                          <p:spTgt spid="3">
-                                            <p:txEl>
-                                              <p:pRg st="7" end="7"/>
-                                            </p:txEl>
-                                          </p:spTgt>
-                                        </p:tgtEl>
-                                        <p:attrNameLst>
-                                          <p:attrName>style.visibility</p:attrName>
-                                        </p:attrNameLst>
-                                      </p:cBhvr>
-                                      <p:to>
-                                        <p:strVal val="visible"/>
-                                      </p:to>
-                                    </p:set>
-                                    <p:animEffect transition="in" filter="fade">
-                                      <p:cBhvr>
-                                        <p:cTn id="36" dur="500"/>
-                                        <p:tgtEl>
-                                          <p:spTgt spid="3">
-                                            <p:txEl>
-                                              <p:pRg st="7" end="7"/>
-                                            </p:txEl>
-                                          </p:spTgt>
-                                        </p:tgtEl>
-                                      </p:cBhvr>
-                                    </p:animEffect>
-                                  </p:childTnLst>
-                                </p:cTn>
-                              </p:par>
-                              <p:par>
-                                <p:cTn id="37" presetID="10" presetClass="entr" presetSubtype="0" fill="hold" grpId="0" nodeType="withEffect">
-                                  <p:stCondLst>
-                                    <p:cond delay="0"/>
-                                  </p:stCondLst>
-                                  <p:childTnLst>
-                                    <p:set>
-                                      <p:cBhvr>
-                                        <p:cTn id="38" dur="1" fill="hold">
-                                          <p:stCondLst>
-                                            <p:cond delay="0"/>
-                                          </p:stCondLst>
-                                        </p:cTn>
-                                        <p:tgtEl>
-                                          <p:spTgt spid="3">
-                                            <p:txEl>
-                                              <p:pRg st="8" end="8"/>
-                                            </p:txEl>
-                                          </p:spTgt>
-                                        </p:tgtEl>
-                                        <p:attrNameLst>
-                                          <p:attrName>style.visibility</p:attrName>
-                                        </p:attrNameLst>
-                                      </p:cBhvr>
-                                      <p:to>
-                                        <p:strVal val="visible"/>
-                                      </p:to>
-                                    </p:set>
-                                    <p:animEffect transition="in" filter="fade">
-                                      <p:cBhvr>
-                                        <p:cTn id="39" dur="500"/>
-                                        <p:tgtEl>
-                                          <p:spTgt spid="3">
-                                            <p:txEl>
-                                              <p:pRg st="8" end="8"/>
-                                            </p:txEl>
-                                          </p:spTgt>
-                                        </p:tgtEl>
-                                      </p:cBhvr>
-                                    </p:animEffect>
-                                  </p:childTnLst>
-                                </p:cTn>
-                              </p:par>
-                              <p:par>
-                                <p:cTn id="40" presetID="10" presetClass="entr" presetSubtype="0" fill="hold" grpId="0" nodeType="withEffect">
-                                  <p:stCondLst>
-                                    <p:cond delay="0"/>
-                                  </p:stCondLst>
-                                  <p:childTnLst>
-                                    <p:set>
-                                      <p:cBhvr>
-                                        <p:cTn id="41" dur="1" fill="hold">
-                                          <p:stCondLst>
-                                            <p:cond delay="0"/>
-                                          </p:stCondLst>
-                                        </p:cTn>
-                                        <p:tgtEl>
-                                          <p:spTgt spid="3">
-                                            <p:txEl>
-                                              <p:pRg st="9" end="9"/>
-                                            </p:txEl>
-                                          </p:spTgt>
-                                        </p:tgtEl>
-                                        <p:attrNameLst>
-                                          <p:attrName>style.visibility</p:attrName>
-                                        </p:attrNameLst>
-                                      </p:cBhvr>
-                                      <p:to>
-                                        <p:strVal val="visible"/>
-                                      </p:to>
-                                    </p:set>
-                                    <p:animEffect transition="in" filter="fade">
-                                      <p:cBhvr>
-                                        <p:cTn id="42" dur="500"/>
-                                        <p:tgtEl>
-                                          <p:spTgt spid="3">
-                                            <p:txEl>
-                                              <p:pRg st="9" end="9"/>
-                                            </p:txEl>
-                                          </p:spTgt>
-                                        </p:tgtEl>
-                                      </p:cBhvr>
-                                    </p:animEffect>
                                   </p:childTnLst>
                                 </p:cTn>
                               </p:par>
@@ -9518,191 +9726,6 @@
     <p:bldLst>
       <p:bldP spid="3" grpId="0" build="p"/>
     </p:bldLst>
-  </p:timing>
-</p:sld>
-</file>
-
-<file path=ppt/slides/slide5.xml><?xml version="1.0" encoding="utf-8"?>
-<p:sld xmlns:a="http://schemas.openxmlformats.org/drawingml/2006/main" xmlns:r="http://schemas.openxmlformats.org/officeDocument/2006/relationships" xmlns:p="http://schemas.openxmlformats.org/presentationml/2006/main">
-  <p:cSld>
-    <p:spTree>
-      <p:nvGrpSpPr>
-        <p:cNvPr id="1" name=""/>
-        <p:cNvGrpSpPr/>
-        <p:nvPr/>
-      </p:nvGrpSpPr>
-      <p:grpSpPr>
-        <a:xfrm>
-          <a:off x="0" y="0"/>
-          <a:ext cx="0" cy="0"/>
-          <a:chOff x="0" y="0"/>
-          <a:chExt cx="0" cy="0"/>
-        </a:xfrm>
-      </p:grpSpPr>
-      <p:sp>
-        <p:nvSpPr>
-          <p:cNvPr id="2" name="标题 1"/>
-          <p:cNvSpPr>
-            <a:spLocks noGrp="1"/>
-          </p:cNvSpPr>
-          <p:nvPr>
-            <p:ph type="title"/>
-          </p:nvPr>
-        </p:nvSpPr>
-        <p:spPr/>
-        <p:txBody>
-          <a:bodyPr/>
-          <a:lstStyle/>
-          <a:p>
-            <a:r>
-              <a:rPr lang="zh-CN" altLang="en-US" dirty="0" smtClean="0"/>
-              <a:t>性能测试结果</a:t>
-            </a:r>
-            <a:endParaRPr lang="zh-CN" altLang="en-US" dirty="0"/>
-          </a:p>
-        </p:txBody>
-      </p:sp>
-      <p:sp>
-        <p:nvSpPr>
-          <p:cNvPr id="3" name="内容占位符 2"/>
-          <p:cNvSpPr>
-            <a:spLocks noGrp="1"/>
-          </p:cNvSpPr>
-          <p:nvPr>
-            <p:ph idx="1"/>
-          </p:nvPr>
-        </p:nvSpPr>
-        <p:spPr/>
-        <p:txBody>
-          <a:bodyPr/>
-          <a:lstStyle/>
-          <a:p>
-            <a:r>
-              <a:rPr lang="zh-CN" altLang="en-US" dirty="0" smtClean="0"/>
-              <a:t>脚本与文件：</a:t>
-            </a:r>
-            <a:r>
-              <a:rPr lang="en-US" altLang="zh-CN" dirty="0"/>
-              <a:t>16TeamC/3.</a:t>
-            </a:r>
-            <a:r>
-              <a:rPr lang="zh-CN" altLang="en-US" dirty="0"/>
-              <a:t>项目提交文档</a:t>
-            </a:r>
-            <a:r>
-              <a:rPr lang="en-US" altLang="zh-CN" dirty="0"/>
-              <a:t>/3.4</a:t>
-            </a:r>
-            <a:r>
-              <a:rPr lang="zh-CN" altLang="en-US" dirty="0"/>
-              <a:t>测试报告</a:t>
-            </a:r>
-            <a:r>
-              <a:rPr lang="en-US" altLang="zh-CN" dirty="0"/>
-              <a:t>/</a:t>
-            </a:r>
-            <a:r>
-              <a:rPr lang="en-US" altLang="zh-CN" dirty="0" err="1" smtClean="0"/>
-              <a:t>test_script</a:t>
-            </a:r>
-            <a:endParaRPr lang="en-US" altLang="zh-CN" dirty="0"/>
-          </a:p>
-          <a:p>
-            <a:r>
-              <a:rPr lang="zh-CN" altLang="en-US" dirty="0" smtClean="0"/>
-              <a:t>响应时间：</a:t>
-            </a:r>
-            <a:endParaRPr lang="en-US" altLang="zh-CN" dirty="0" smtClean="0"/>
-          </a:p>
-          <a:p>
-            <a:pPr lvl="1"/>
-            <a:r>
-              <a:rPr lang="en-US" altLang="zh-CN" dirty="0" err="1" smtClean="0"/>
-              <a:t>nginx</a:t>
-            </a:r>
-            <a:r>
-              <a:rPr lang="zh-CN" altLang="en-US" dirty="0"/>
-              <a:t>比</a:t>
-            </a:r>
-            <a:r>
-              <a:rPr lang="en-US" altLang="zh-CN" dirty="0" smtClean="0"/>
-              <a:t>apache</a:t>
-            </a:r>
-            <a:r>
-              <a:rPr lang="zh-CN" altLang="en-US" dirty="0" smtClean="0"/>
-              <a:t>快一倍：</a:t>
-            </a:r>
-            <a:r>
-              <a:rPr lang="en-US" altLang="zh-CN" dirty="0" smtClean="0"/>
-              <a:t>1494192:743442 pages/min</a:t>
-            </a:r>
-          </a:p>
-          <a:p>
-            <a:r>
-              <a:rPr lang="zh-CN" altLang="en-US" dirty="0"/>
-              <a:t>大</a:t>
-            </a:r>
-            <a:r>
-              <a:rPr lang="zh-CN" altLang="en-US" dirty="0" smtClean="0"/>
-              <a:t>文件测试：</a:t>
-            </a:r>
-            <a:endParaRPr lang="en-US" altLang="zh-CN" dirty="0" smtClean="0"/>
-          </a:p>
-          <a:p>
-            <a:pPr lvl="1"/>
-            <a:r>
-              <a:rPr lang="en-US" altLang="zh-CN" dirty="0" err="1" smtClean="0"/>
-              <a:t>Nginx</a:t>
-            </a:r>
-            <a:r>
-              <a:rPr lang="zh-CN" altLang="en-US" dirty="0" smtClean="0"/>
-              <a:t>比</a:t>
-            </a:r>
-            <a:r>
-              <a:rPr lang="en-US" altLang="zh-CN" dirty="0" smtClean="0"/>
-              <a:t>apache</a:t>
-            </a:r>
-            <a:r>
-              <a:rPr lang="zh-CN" altLang="en-US" dirty="0" smtClean="0"/>
-              <a:t>稍快（</a:t>
-            </a:r>
-            <a:r>
-              <a:rPr lang="en-US" altLang="zh-CN" dirty="0" smtClean="0"/>
-              <a:t>30M</a:t>
-            </a:r>
-            <a:r>
-              <a:rPr lang="zh-CN" altLang="en-US" dirty="0" smtClean="0"/>
-              <a:t>文件）：</a:t>
-            </a:r>
-            <a:r>
-              <a:rPr lang="en-US" altLang="zh-CN" dirty="0" smtClean="0"/>
-              <a:t>61836:55666 pages/min</a:t>
-            </a:r>
-          </a:p>
-          <a:p>
-            <a:endParaRPr lang="en-US" altLang="zh-CN" dirty="0" smtClean="0"/>
-          </a:p>
-        </p:txBody>
-      </p:sp>
-    </p:spTree>
-    <p:extLst>
-      <p:ext uri="{BB962C8B-B14F-4D97-AF65-F5344CB8AC3E}">
-        <p14:creationId xmlns:p14="http://schemas.microsoft.com/office/powerpoint/2010/main" val="2489531834"/>
-      </p:ext>
-    </p:extLst>
-  </p:cSld>
-  <p:clrMapOvr>
-    <a:masterClrMapping/>
-  </p:clrMapOvr>
-  <p:transition spd="slow">
-    <p:push dir="u"/>
-  </p:transition>
-  <p:timing>
-    <p:tnLst>
-      <p:par>
-        <p:cTn id="1" dur="indefinite" restart="never" nodeType="tmRoot"/>
-      </p:par>
-    </p:tnLst>
   </p:timing>
 </p:sld>
 </file>
@@ -10330,9 +10353,115 @@
   <p:timing>
     <p:tnLst>
       <p:par>
-        <p:cTn id="1" dur="indefinite" restart="never" nodeType="tmRoot"/>
+        <p:cTn id="1" dur="indefinite" restart="never" nodeType="tmRoot">
+          <p:childTnLst>
+            <p:seq concurrent="1" nextAc="seek">
+              <p:cTn id="2" dur="indefinite" nodeType="mainSeq">
+                <p:childTnLst>
+                  <p:par>
+                    <p:cTn id="3" fill="hold">
+                      <p:stCondLst>
+                        <p:cond delay="indefinite"/>
+                      </p:stCondLst>
+                      <p:childTnLst>
+                        <p:par>
+                          <p:cTn id="4" fill="hold">
+                            <p:stCondLst>
+                              <p:cond delay="0"/>
+                            </p:stCondLst>
+                            <p:childTnLst>
+                              <p:par>
+                                <p:cTn id="5" presetID="1" presetClass="entr" presetSubtype="0" fill="hold" grpId="0" nodeType="clickEffect">
+                                  <p:stCondLst>
+                                    <p:cond delay="0"/>
+                                  </p:stCondLst>
+                                  <p:childTnLst>
+                                    <p:set>
+                                      <p:cBhvr>
+                                        <p:cTn id="6" dur="1" fill="hold">
+                                          <p:stCondLst>
+                                            <p:cond delay="0"/>
+                                          </p:stCondLst>
+                                        </p:cTn>
+                                        <p:tgtEl>
+                                          <p:spTgt spid="3">
+                                            <p:txEl>
+                                              <p:pRg st="0" end="0"/>
+                                            </p:txEl>
+                                          </p:spTgt>
+                                        </p:tgtEl>
+                                        <p:attrNameLst>
+                                          <p:attrName>style.visibility</p:attrName>
+                                        </p:attrNameLst>
+                                      </p:cBhvr>
+                                      <p:to>
+                                        <p:strVal val="visible"/>
+                                      </p:to>
+                                    </p:set>
+                                  </p:childTnLst>
+                                </p:cTn>
+                              </p:par>
+                              <p:par>
+                                <p:cTn id="7" presetID="1" presetClass="entr" presetSubtype="0" fill="hold" grpId="0" nodeType="withEffect">
+                                  <p:stCondLst>
+                                    <p:cond delay="0"/>
+                                  </p:stCondLst>
+                                  <p:childTnLst>
+                                    <p:set>
+                                      <p:cBhvr>
+                                        <p:cTn id="8" dur="1" fill="hold">
+                                          <p:stCondLst>
+                                            <p:cond delay="0"/>
+                                          </p:stCondLst>
+                                        </p:cTn>
+                                        <p:tgtEl>
+                                          <p:spTgt spid="3">
+                                            <p:txEl>
+                                              <p:pRg st="1" end="1"/>
+                                            </p:txEl>
+                                          </p:spTgt>
+                                        </p:tgtEl>
+                                        <p:attrNameLst>
+                                          <p:attrName>style.visibility</p:attrName>
+                                        </p:attrNameLst>
+                                      </p:cBhvr>
+                                      <p:to>
+                                        <p:strVal val="visible"/>
+                                      </p:to>
+                                    </p:set>
+                                  </p:childTnLst>
+                                </p:cTn>
+                              </p:par>
+                            </p:childTnLst>
+                          </p:cTn>
+                        </p:par>
+                      </p:childTnLst>
+                    </p:cTn>
+                  </p:par>
+                </p:childTnLst>
+              </p:cTn>
+              <p:prevCondLst>
+                <p:cond evt="onPrev" delay="0">
+                  <p:tgtEl>
+                    <p:sldTgt/>
+                  </p:tgtEl>
+                </p:cond>
+              </p:prevCondLst>
+              <p:nextCondLst>
+                <p:cond evt="onNext" delay="0">
+                  <p:tgtEl>
+                    <p:sldTgt/>
+                  </p:tgtEl>
+                </p:cond>
+              </p:nextCondLst>
+            </p:seq>
+          </p:childTnLst>
+        </p:cTn>
       </p:par>
     </p:tnLst>
+    <p:bldLst>
+      <p:bldP spid="3" grpId="0" build="p"/>
+    </p:bldLst>
   </p:timing>
 </p:sld>
 </file>
@@ -11061,6 +11190,119 @@
   <p:transition spd="slow">
     <p:push dir="u"/>
   </p:transition>
+  <p:timing>
+    <p:tnLst>
+      <p:par>
+        <p:cTn id="1" dur="indefinite" restart="never" nodeType="tmRoot">
+          <p:childTnLst>
+            <p:seq concurrent="1" nextAc="seek">
+              <p:cTn id="2" dur="indefinite" nodeType="mainSeq">
+                <p:childTnLst>
+                  <p:par>
+                    <p:cTn id="3" fill="hold">
+                      <p:stCondLst>
+                        <p:cond delay="indefinite"/>
+                      </p:stCondLst>
+                      <p:childTnLst>
+                        <p:par>
+                          <p:cTn id="4" fill="hold">
+                            <p:stCondLst>
+                              <p:cond delay="0"/>
+                            </p:stCondLst>
+                            <p:childTnLst>
+                              <p:par>
+                                <p:cTn id="5" presetID="1" presetClass="entr" presetSubtype="0" fill="hold" grpId="0" nodeType="clickEffect">
+                                  <p:stCondLst>
+                                    <p:cond delay="0"/>
+                                  </p:stCondLst>
+                                  <p:childTnLst>
+                                    <p:set>
+                                      <p:cBhvr>
+                                        <p:cTn id="6" dur="1" fill="hold">
+                                          <p:stCondLst>
+                                            <p:cond delay="0"/>
+                                          </p:stCondLst>
+                                        </p:cTn>
+                                        <p:tgtEl>
+                                          <p:spTgt spid="3">
+                                            <p:txEl>
+                                              <p:pRg st="0" end="0"/>
+                                            </p:txEl>
+                                          </p:spTgt>
+                                        </p:tgtEl>
+                                        <p:attrNameLst>
+                                          <p:attrName>style.visibility</p:attrName>
+                                        </p:attrNameLst>
+                                      </p:cBhvr>
+                                      <p:to>
+                                        <p:strVal val="visible"/>
+                                      </p:to>
+                                    </p:set>
+                                  </p:childTnLst>
+                                </p:cTn>
+                              </p:par>
+                              <p:par>
+                                <p:cTn id="7" presetID="1" presetClass="entr" presetSubtype="0" fill="hold" grpId="0" nodeType="withEffect">
+                                  <p:stCondLst>
+                                    <p:cond delay="0"/>
+                                  </p:stCondLst>
+                                  <p:childTnLst>
+                                    <p:set>
+                                      <p:cBhvr>
+                                        <p:cTn id="8" dur="1" fill="hold">
+                                          <p:stCondLst>
+                                            <p:cond delay="0"/>
+                                          </p:stCondLst>
+                                        </p:cTn>
+                                        <p:tgtEl>
+                                          <p:spTgt spid="3">
+                                            <p:txEl>
+                                              <p:pRg st="1" end="1"/>
+                                            </p:txEl>
+                                          </p:spTgt>
+                                        </p:tgtEl>
+                                        <p:attrNameLst>
+                                          <p:attrName>style.visibility</p:attrName>
+                                        </p:attrNameLst>
+                                      </p:cBhvr>
+                                      <p:to>
+                                        <p:strVal val="visible"/>
+                                      </p:to>
+                                    </p:set>
+                                  </p:childTnLst>
+                                </p:cTn>
+                              </p:par>
+                            </p:childTnLst>
+                          </p:cTn>
+                        </p:par>
+                      </p:childTnLst>
+                    </p:cTn>
+                  </p:par>
+                </p:childTnLst>
+              </p:cTn>
+              <p:prevCondLst>
+                <p:cond evt="onPrev" delay="0">
+                  <p:tgtEl>
+                    <p:sldTgt/>
+                  </p:tgtEl>
+                </p:cond>
+              </p:prevCondLst>
+              <p:nextCondLst>
+                <p:cond evt="onNext" delay="0">
+                  <p:tgtEl>
+                    <p:sldTgt/>
+                  </p:tgtEl>
+                </p:cond>
+              </p:nextCondLst>
+            </p:seq>
+          </p:childTnLst>
+        </p:cTn>
+      </p:par>
+    </p:tnLst>
+    <p:bldLst>
+      <p:bldP spid="3" grpId="0" build="p"/>
+    </p:bldLst>
+  </p:timing>
 </p:sld>
 </file>
 
@@ -11191,9 +11433,133 @@
   <p:timing>
     <p:tnLst>
       <p:par>
-        <p:cTn id="1" dur="indefinite" restart="never" nodeType="tmRoot"/>
+        <p:cTn id="1" dur="indefinite" restart="never" nodeType="tmRoot">
+          <p:childTnLst>
+            <p:seq concurrent="1" nextAc="seek">
+              <p:cTn id="2" dur="indefinite" nodeType="mainSeq">
+                <p:childTnLst>
+                  <p:par>
+                    <p:cTn id="3" fill="hold">
+                      <p:stCondLst>
+                        <p:cond delay="indefinite"/>
+                      </p:stCondLst>
+                      <p:childTnLst>
+                        <p:par>
+                          <p:cTn id="4" fill="hold">
+                            <p:stCondLst>
+                              <p:cond delay="0"/>
+                            </p:stCondLst>
+                            <p:childTnLst>
+                              <p:par>
+                                <p:cTn id="5" presetID="1" presetClass="entr" presetSubtype="0" fill="hold" grpId="0" nodeType="clickEffect">
+                                  <p:stCondLst>
+                                    <p:cond delay="0"/>
+                                  </p:stCondLst>
+                                  <p:childTnLst>
+                                    <p:set>
+                                      <p:cBhvr>
+                                        <p:cTn id="6" dur="1" fill="hold">
+                                          <p:stCondLst>
+                                            <p:cond delay="0"/>
+                                          </p:stCondLst>
+                                        </p:cTn>
+                                        <p:tgtEl>
+                                          <p:spTgt spid="3">
+                                            <p:txEl>
+                                              <p:pRg st="0" end="0"/>
+                                            </p:txEl>
+                                          </p:spTgt>
+                                        </p:tgtEl>
+                                        <p:attrNameLst>
+                                          <p:attrName>style.visibility</p:attrName>
+                                        </p:attrNameLst>
+                                      </p:cBhvr>
+                                      <p:to>
+                                        <p:strVal val="visible"/>
+                                      </p:to>
+                                    </p:set>
+                                  </p:childTnLst>
+                                </p:cTn>
+                              </p:par>
+                            </p:childTnLst>
+                          </p:cTn>
+                        </p:par>
+                      </p:childTnLst>
+                    </p:cTn>
+                  </p:par>
+                  <p:par>
+                    <p:cTn id="7" fill="hold">
+                      <p:stCondLst>
+                        <p:cond delay="indefinite"/>
+                      </p:stCondLst>
+                      <p:childTnLst>
+                        <p:par>
+                          <p:cTn id="8" fill="hold">
+                            <p:stCondLst>
+                              <p:cond delay="0"/>
+                            </p:stCondLst>
+                            <p:childTnLst>
+                              <p:par>
+                                <p:cTn id="9" presetID="1" presetClass="entr" presetSubtype="0" fill="hold" grpId="0" nodeType="clickEffect">
+                                  <p:stCondLst>
+                                    <p:cond delay="0"/>
+                                  </p:stCondLst>
+                                  <p:childTnLst>
+                                    <p:set>
+                                      <p:cBhvr>
+                                        <p:cTn id="10" dur="1" fill="hold">
+                                          <p:stCondLst>
+                                            <p:cond delay="0"/>
+                                          </p:stCondLst>
+                                        </p:cTn>
+                                        <p:tgtEl>
+                                          <p:spTgt spid="3">
+                                            <p:txEl>
+                                              <p:pRg st="1" end="1"/>
+                                            </p:txEl>
+                                          </p:spTgt>
+                                        </p:tgtEl>
+                                        <p:attrNameLst>
+                                          <p:attrName>style.visibility</p:attrName>
+                                        </p:attrNameLst>
+                                      </p:cBhvr>
+                                      <p:to>
+                                        <p:strVal val="visible"/>
+                                      </p:to>
+                                    </p:set>
+                                  </p:childTnLst>
+                                </p:cTn>
+                              </p:par>
+                            </p:childTnLst>
+                          </p:cTn>
+                        </p:par>
+                      </p:childTnLst>
+                    </p:cTn>
+                  </p:par>
+                </p:childTnLst>
+              </p:cTn>
+              <p:prevCondLst>
+                <p:cond evt="onPrev" delay="0">
+                  <p:tgtEl>
+                    <p:sldTgt/>
+                  </p:tgtEl>
+                </p:cond>
+              </p:prevCondLst>
+              <p:nextCondLst>
+                <p:cond evt="onNext" delay="0">
+                  <p:tgtEl>
+                    <p:sldTgt/>
+                  </p:tgtEl>
+                </p:cond>
+              </p:nextCondLst>
+            </p:seq>
+          </p:childTnLst>
+        </p:cTn>
       </p:par>
     </p:tnLst>
+    <p:bldLst>
+      <p:bldP spid="3" grpId="0" build="p"/>
+    </p:bldLst>
   </p:timing>
 </p:sld>
 </file>
@@ -11336,9 +11702,280 @@
   <p:timing>
     <p:tnLst>
       <p:par>
-        <p:cTn id="1" dur="indefinite" restart="never" nodeType="tmRoot"/>
+        <p:cTn id="1" dur="indefinite" restart="never" nodeType="tmRoot">
+          <p:childTnLst>
+            <p:seq concurrent="1" nextAc="seek">
+              <p:cTn id="2" dur="indefinite" nodeType="mainSeq">
+                <p:childTnLst>
+                  <p:par>
+                    <p:cTn id="3" fill="hold">
+                      <p:stCondLst>
+                        <p:cond delay="indefinite"/>
+                      </p:stCondLst>
+                      <p:childTnLst>
+                        <p:par>
+                          <p:cTn id="4" fill="hold">
+                            <p:stCondLst>
+                              <p:cond delay="0"/>
+                            </p:stCondLst>
+                            <p:childTnLst>
+                              <p:par>
+                                <p:cTn id="5" presetID="1" presetClass="entr" presetSubtype="0" fill="hold" nodeType="clickEffect">
+                                  <p:stCondLst>
+                                    <p:cond delay="0"/>
+                                  </p:stCondLst>
+                                  <p:childTnLst>
+                                    <p:set>
+                                      <p:cBhvr>
+                                        <p:cTn id="6" dur="1" fill="hold">
+                                          <p:stCondLst>
+                                            <p:cond delay="0"/>
+                                          </p:stCondLst>
+                                        </p:cTn>
+                                        <p:tgtEl>
+                                          <p:spTgt spid="3">
+                                            <p:txEl>
+                                              <p:pRg st="0" end="0"/>
+                                            </p:txEl>
+                                          </p:spTgt>
+                                        </p:tgtEl>
+                                        <p:attrNameLst>
+                                          <p:attrName>style.visibility</p:attrName>
+                                        </p:attrNameLst>
+                                      </p:cBhvr>
+                                      <p:to>
+                                        <p:strVal val="visible"/>
+                                      </p:to>
+                                    </p:set>
+                                  </p:childTnLst>
+                                </p:cTn>
+                              </p:par>
+                            </p:childTnLst>
+                          </p:cTn>
+                        </p:par>
+                      </p:childTnLst>
+                    </p:cTn>
+                  </p:par>
+                  <p:par>
+                    <p:cTn id="7" fill="hold">
+                      <p:stCondLst>
+                        <p:cond delay="indefinite"/>
+                      </p:stCondLst>
+                      <p:childTnLst>
+                        <p:par>
+                          <p:cTn id="8" fill="hold">
+                            <p:stCondLst>
+                              <p:cond delay="0"/>
+                            </p:stCondLst>
+                            <p:childTnLst>
+                              <p:par>
+                                <p:cTn id="9" presetID="1" presetClass="entr" presetSubtype="0" fill="hold" grpId="0" nodeType="clickEffect">
+                                  <p:stCondLst>
+                                    <p:cond delay="0"/>
+                                  </p:stCondLst>
+                                  <p:childTnLst>
+                                    <p:set>
+                                      <p:cBhvr>
+                                        <p:cTn id="10" dur="1" fill="hold">
+                                          <p:stCondLst>
+                                            <p:cond delay="0"/>
+                                          </p:stCondLst>
+                                        </p:cTn>
+                                        <p:tgtEl>
+                                          <p:spTgt spid="3">
+                                            <p:txEl>
+                                              <p:pRg st="0" end="0"/>
+                                            </p:txEl>
+                                          </p:spTgt>
+                                        </p:tgtEl>
+                                        <p:attrNameLst>
+                                          <p:attrName>style.visibility</p:attrName>
+                                        </p:attrNameLst>
+                                      </p:cBhvr>
+                                      <p:to>
+                                        <p:strVal val="visible"/>
+                                      </p:to>
+                                    </p:set>
+                                  </p:childTnLst>
+                                </p:cTn>
+                              </p:par>
+                            </p:childTnLst>
+                          </p:cTn>
+                        </p:par>
+                      </p:childTnLst>
+                    </p:cTn>
+                  </p:par>
+                  <p:par>
+                    <p:cTn id="11" fill="hold">
+                      <p:stCondLst>
+                        <p:cond delay="indefinite"/>
+                      </p:stCondLst>
+                      <p:childTnLst>
+                        <p:par>
+                          <p:cTn id="12" fill="hold">
+                            <p:stCondLst>
+                              <p:cond delay="0"/>
+                            </p:stCondLst>
+                            <p:childTnLst>
+                              <p:par>
+                                <p:cTn id="13" presetID="1" presetClass="entr" presetSubtype="0" fill="hold" grpId="0" nodeType="clickEffect">
+                                  <p:stCondLst>
+                                    <p:cond delay="0"/>
+                                  </p:stCondLst>
+                                  <p:childTnLst>
+                                    <p:set>
+                                      <p:cBhvr>
+                                        <p:cTn id="14" dur="1" fill="hold">
+                                          <p:stCondLst>
+                                            <p:cond delay="0"/>
+                                          </p:stCondLst>
+                                        </p:cTn>
+                                        <p:tgtEl>
+                                          <p:spTgt spid="3">
+                                            <p:txEl>
+                                              <p:pRg st="1" end="1"/>
+                                            </p:txEl>
+                                          </p:spTgt>
+                                        </p:tgtEl>
+                                        <p:attrNameLst>
+                                          <p:attrName>style.visibility</p:attrName>
+                                        </p:attrNameLst>
+                                      </p:cBhvr>
+                                      <p:to>
+                                        <p:strVal val="visible"/>
+                                      </p:to>
+                                    </p:set>
+                                  </p:childTnLst>
+                                </p:cTn>
+                              </p:par>
+                            </p:childTnLst>
+                          </p:cTn>
+                        </p:par>
+                      </p:childTnLst>
+                    </p:cTn>
+                  </p:par>
+                  <p:par>
+                    <p:cTn id="15" fill="hold">
+                      <p:stCondLst>
+                        <p:cond delay="indefinite"/>
+                      </p:stCondLst>
+                      <p:childTnLst>
+                        <p:par>
+                          <p:cTn id="16" fill="hold">
+                            <p:stCondLst>
+                              <p:cond delay="0"/>
+                            </p:stCondLst>
+                            <p:childTnLst>
+                              <p:par>
+                                <p:cTn id="17" presetID="1" presetClass="entr" presetSubtype="0" fill="hold" grpId="0" nodeType="clickEffect">
+                                  <p:stCondLst>
+                                    <p:cond delay="0"/>
+                                  </p:stCondLst>
+                                  <p:childTnLst>
+                                    <p:set>
+                                      <p:cBhvr>
+                                        <p:cTn id="18" dur="1" fill="hold">
+                                          <p:stCondLst>
+                                            <p:cond delay="0"/>
+                                          </p:stCondLst>
+                                        </p:cTn>
+                                        <p:tgtEl>
+                                          <p:spTgt spid="3">
+                                            <p:txEl>
+                                              <p:pRg st="2" end="2"/>
+                                            </p:txEl>
+                                          </p:spTgt>
+                                        </p:tgtEl>
+                                        <p:attrNameLst>
+                                          <p:attrName>style.visibility</p:attrName>
+                                        </p:attrNameLst>
+                                      </p:cBhvr>
+                                      <p:to>
+                                        <p:strVal val="visible"/>
+                                      </p:to>
+                                    </p:set>
+                                  </p:childTnLst>
+                                </p:cTn>
+                              </p:par>
+                            </p:childTnLst>
+                          </p:cTn>
+                        </p:par>
+                      </p:childTnLst>
+                    </p:cTn>
+                  </p:par>
+                  <p:par>
+                    <p:cTn id="19" fill="hold">
+                      <p:stCondLst>
+                        <p:cond delay="indefinite"/>
+                      </p:stCondLst>
+                      <p:childTnLst>
+                        <p:par>
+                          <p:cTn id="20" fill="hold">
+                            <p:stCondLst>
+                              <p:cond delay="0"/>
+                            </p:stCondLst>
+                            <p:childTnLst>
+                              <p:par>
+                                <p:cTn id="21" presetID="1" presetClass="entr" presetSubtype="0" fill="hold" grpId="0" nodeType="clickEffect">
+                                  <p:stCondLst>
+                                    <p:cond delay="0"/>
+                                  </p:stCondLst>
+                                  <p:childTnLst>
+                                    <p:set>
+                                      <p:cBhvr>
+                                        <p:cTn id="22" dur="1" fill="hold">
+                                          <p:stCondLst>
+                                            <p:cond delay="0"/>
+                                          </p:stCondLst>
+                                        </p:cTn>
+                                        <p:tgtEl>
+                                          <p:spTgt spid="3">
+                                            <p:txEl>
+                                              <p:pRg st="3" end="3"/>
+                                            </p:txEl>
+                                          </p:spTgt>
+                                        </p:tgtEl>
+                                        <p:attrNameLst>
+                                          <p:attrName>style.visibility</p:attrName>
+                                        </p:attrNameLst>
+                                      </p:cBhvr>
+                                      <p:to>
+                                        <p:strVal val="visible"/>
+                                      </p:to>
+                                    </p:set>
+                                  </p:childTnLst>
+                                </p:cTn>
+                              </p:par>
+                            </p:childTnLst>
+                          </p:cTn>
+                        </p:par>
+                      </p:childTnLst>
+                    </p:cTn>
+                  </p:par>
+                </p:childTnLst>
+              </p:cTn>
+              <p:prevCondLst>
+                <p:cond evt="onPrev" delay="0">
+                  <p:tgtEl>
+                    <p:sldTgt/>
+                  </p:tgtEl>
+                </p:cond>
+              </p:prevCondLst>
+              <p:nextCondLst>
+                <p:cond evt="onNext" delay="0">
+                  <p:tgtEl>
+                    <p:sldTgt/>
+                  </p:tgtEl>
+                </p:cond>
+              </p:nextCondLst>
+            </p:seq>
+          </p:childTnLst>
+        </p:cTn>
       </p:par>
     </p:tnLst>
+    <p:bldLst>
+      <p:bldP spid="3" grpId="0" build="p"/>
+    </p:bldLst>
   </p:timing>
 </p:sld>
 </file>
